--- a/Web/AngleBrackets.pptx
+++ b/Web/AngleBrackets.pptx
@@ -10,7 +10,19 @@
     <p:sldId id="261" r:id="rId4"/>
     <p:sldId id="263" r:id="rId5"/>
     <p:sldId id="264" r:id="rId6"/>
-    <p:sldId id="259" r:id="rId7"/>
+    <p:sldId id="265" r:id="rId7"/>
+    <p:sldId id="266" r:id="rId8"/>
+    <p:sldId id="267" r:id="rId9"/>
+    <p:sldId id="268" r:id="rId10"/>
+    <p:sldId id="269" r:id="rId11"/>
+    <p:sldId id="272" r:id="rId12"/>
+    <p:sldId id="270" r:id="rId13"/>
+    <p:sldId id="275" r:id="rId14"/>
+    <p:sldId id="271" r:id="rId15"/>
+    <p:sldId id="276" r:id="rId16"/>
+    <p:sldId id="277" r:id="rId17"/>
+    <p:sldId id="274" r:id="rId18"/>
+    <p:sldId id="259" r:id="rId19"/>
   </p:sldIdLst>
   <p:sldSz cx="12192000" cy="6858000"/>
   <p:notesSz cx="6858000" cy="9144000"/>
@@ -3794,6 +3806,890 @@
 </p:sld>
 </file>
 
+<file path=ppt/slides/slide10.xml><?xml version="1.0" encoding="utf-8"?>
+<p:sld xmlns:a="http://schemas.openxmlformats.org/drawingml/2006/main" xmlns:r="http://schemas.openxmlformats.org/officeDocument/2006/relationships" xmlns:p="http://schemas.openxmlformats.org/presentationml/2006/main">
+  <p:cSld>
+    <p:spTree>
+      <p:nvGrpSpPr>
+        <p:cNvPr id="1" name=""/>
+        <p:cNvGrpSpPr/>
+        <p:nvPr/>
+      </p:nvGrpSpPr>
+      <p:grpSpPr>
+        <a:xfrm>
+          <a:off x="0" y="0"/>
+          <a:ext cx="0" cy="0"/>
+          <a:chOff x="0" y="0"/>
+          <a:chExt cx="0" cy="0"/>
+        </a:xfrm>
+      </p:grpSpPr>
+      <p:sp>
+        <p:nvSpPr>
+          <p:cNvPr id="2" name="Title 1"/>
+          <p:cNvSpPr>
+            <a:spLocks noGrp="1"/>
+          </p:cNvSpPr>
+          <p:nvPr>
+            <p:ph type="title"/>
+          </p:nvPr>
+        </p:nvSpPr>
+        <p:spPr/>
+        <p:txBody>
+          <a:bodyPr/>
+          <a:lstStyle/>
+          <a:p>
+            <a:r>
+              <a:rPr lang="en-US" dirty="0" smtClean="0"/>
+              <a:t>Element nesting – parents, children, ancestors, descendants</a:t>
+            </a:r>
+            <a:endParaRPr lang="en-US" dirty="0"/>
+          </a:p>
+        </p:txBody>
+      </p:sp>
+      <p:pic>
+        <p:nvPicPr>
+          <p:cNvPr id="5122" name="Picture 2" descr="http://2.bp.blogspot.com/-sNU-eemP0fY/UAw2ejmdxII/AAAAAAAAAQo/Jv8j1zv0Oak/s1600/document_hierarchy.jpg"/>
+          <p:cNvPicPr>
+            <a:picLocks noGrp="1" noChangeAspect="1" noChangeArrowheads="1"/>
+          </p:cNvPicPr>
+          <p:nvPr>
+            <p:ph idx="1"/>
+          </p:nvPr>
+        </p:nvPicPr>
+        <p:blipFill>
+          <a:blip r:embed="rId2">
+            <a:extLst>
+              <a:ext uri="{28A0092B-C50C-407E-A947-70E740481C1C}">
+                <a14:useLocalDpi xmlns:a14="http://schemas.microsoft.com/office/drawing/2010/main" val="0"/>
+              </a:ext>
+            </a:extLst>
+          </a:blip>
+          <a:srcRect/>
+          <a:stretch>
+            <a:fillRect/>
+          </a:stretch>
+        </p:blipFill>
+        <p:spPr bwMode="auto">
+          <a:xfrm>
+            <a:off x="1268414" y="1846263"/>
+            <a:ext cx="9887266" cy="4440237"/>
+          </a:xfrm>
+          <a:prstGeom prst="rect">
+            <a:avLst/>
+          </a:prstGeom>
+          <a:noFill/>
+          <a:extLst>
+            <a:ext uri="{909E8E84-426E-40DD-AFC4-6F175D3DCCD1}">
+              <a14:hiddenFill xmlns:a14="http://schemas.microsoft.com/office/drawing/2010/main">
+                <a:solidFill>
+                  <a:srgbClr val="FFFFFF"/>
+                </a:solidFill>
+              </a14:hiddenFill>
+            </a:ext>
+          </a:extLst>
+        </p:spPr>
+      </p:pic>
+    </p:spTree>
+    <p:extLst>
+      <p:ext uri="{BB962C8B-B14F-4D97-AF65-F5344CB8AC3E}">
+        <p14:creationId xmlns:p14="http://schemas.microsoft.com/office/powerpoint/2010/main" val="1113390038"/>
+      </p:ext>
+    </p:extLst>
+  </p:cSld>
+  <p:clrMapOvr>
+    <a:masterClrMapping/>
+  </p:clrMapOvr>
+  <p:timing>
+    <p:tnLst>
+      <p:par>
+        <p:cTn id="1" dur="indefinite" restart="never" nodeType="tmRoot"/>
+      </p:par>
+    </p:tnLst>
+  </p:timing>
+</p:sld>
+</file>
+
+<file path=ppt/slides/slide11.xml><?xml version="1.0" encoding="utf-8"?>
+<p:sld xmlns:a="http://schemas.openxmlformats.org/drawingml/2006/main" xmlns:r="http://schemas.openxmlformats.org/officeDocument/2006/relationships" xmlns:p="http://schemas.openxmlformats.org/presentationml/2006/main">
+  <p:cSld>
+    <p:spTree>
+      <p:nvGrpSpPr>
+        <p:cNvPr id="1" name=""/>
+        <p:cNvGrpSpPr/>
+        <p:nvPr/>
+      </p:nvGrpSpPr>
+      <p:grpSpPr>
+        <a:xfrm>
+          <a:off x="0" y="0"/>
+          <a:ext cx="0" cy="0"/>
+          <a:chOff x="0" y="0"/>
+          <a:chExt cx="0" cy="0"/>
+        </a:xfrm>
+      </p:grpSpPr>
+      <p:sp>
+        <p:nvSpPr>
+          <p:cNvPr id="2" name="Title 1"/>
+          <p:cNvSpPr>
+            <a:spLocks noGrp="1"/>
+          </p:cNvSpPr>
+          <p:nvPr>
+            <p:ph type="title"/>
+          </p:nvPr>
+        </p:nvSpPr>
+        <p:spPr/>
+        <p:txBody>
+          <a:bodyPr/>
+          <a:lstStyle/>
+          <a:p>
+            <a:r>
+              <a:rPr lang="en-US" dirty="0" smtClean="0"/>
+              <a:t>DOCTYPE declarations you don’t need to know</a:t>
+            </a:r>
+            <a:endParaRPr lang="en-US" dirty="0"/>
+          </a:p>
+        </p:txBody>
+      </p:sp>
+      <p:sp>
+        <p:nvSpPr>
+          <p:cNvPr id="3" name="Content Placeholder 2"/>
+          <p:cNvSpPr>
+            <a:spLocks noGrp="1"/>
+          </p:cNvSpPr>
+          <p:nvPr>
+            <p:ph idx="1"/>
+          </p:nvPr>
+        </p:nvSpPr>
+        <p:spPr>
+          <a:xfrm>
+            <a:off x="163286" y="1845734"/>
+            <a:ext cx="12028714" cy="4023360"/>
+          </a:xfrm>
+        </p:spPr>
+        <p:txBody>
+          <a:bodyPr>
+            <a:normAutofit fontScale="92500" lnSpcReduction="10000"/>
+          </a:bodyPr>
+          <a:lstStyle/>
+          <a:p>
+            <a:r>
+              <a:rPr lang="en-US" dirty="0"/>
+              <a:t>&lt;!DOCTYPE HTML PUBLIC "-//W3C//DTD HTML 4.01//</a:t>
+            </a:r>
+            <a:r>
+              <a:rPr lang="en-US" dirty="0" smtClean="0"/>
+              <a:t>EN" "http://www.w3.org/TR/html4/strict.dtd"&gt;</a:t>
+            </a:r>
+          </a:p>
+          <a:p>
+            <a:endParaRPr lang="en-US" dirty="0"/>
+          </a:p>
+          <a:p>
+            <a:r>
+              <a:rPr lang="en-US" dirty="0"/>
+              <a:t>&lt;!DOCTYPE HTML PUBLIC "-//W3C//DTD HTML 4.01 Transitional//</a:t>
+            </a:r>
+            <a:r>
+              <a:rPr lang="en-US" dirty="0" smtClean="0"/>
+              <a:t>EN" "</a:t>
+            </a:r>
+            <a:r>
+              <a:rPr lang="en-US" dirty="0"/>
+              <a:t>http://www.w3.org/TR/html4/loose.dtd</a:t>
+            </a:r>
+            <a:r>
+              <a:rPr lang="en-US" dirty="0" smtClean="0"/>
+              <a:t>"&gt;</a:t>
+            </a:r>
+          </a:p>
+          <a:p>
+            <a:endParaRPr lang="en-US" dirty="0"/>
+          </a:p>
+          <a:p>
+            <a:r>
+              <a:rPr lang="en-US" dirty="0"/>
+              <a:t>&lt;!DOCTYPE HTML PUBLIC "-//W3C//DTD HTML 4.01 Frameset//</a:t>
+            </a:r>
+            <a:r>
+              <a:rPr lang="en-US" dirty="0" smtClean="0"/>
+              <a:t>EN" "</a:t>
+            </a:r>
+            <a:r>
+              <a:rPr lang="en-US" dirty="0"/>
+              <a:t>http://www.w3.org/TR/html4/frameset.dtd</a:t>
+            </a:r>
+            <a:r>
+              <a:rPr lang="en-US" dirty="0" smtClean="0"/>
+              <a:t>"&gt;</a:t>
+            </a:r>
+          </a:p>
+          <a:p>
+            <a:endParaRPr lang="en-US" dirty="0"/>
+          </a:p>
+          <a:p>
+            <a:r>
+              <a:rPr lang="en-US" dirty="0"/>
+              <a:t> &lt;?xml version="1.0" encoding="UTF-8"?&gt;</a:t>
+            </a:r>
+          </a:p>
+          <a:p>
+            <a:r>
+              <a:rPr lang="en-US" dirty="0"/>
+              <a:t> &lt;!DOCTYPE html</a:t>
+            </a:r>
+          </a:p>
+          <a:p>
+            <a:r>
+              <a:rPr lang="en-US" dirty="0"/>
+              <a:t>     PUBLIC "-//W3C//DTD XHTML 1.0 Transitional//EN"</a:t>
+            </a:r>
+          </a:p>
+          <a:p>
+            <a:r>
+              <a:rPr lang="en-US" dirty="0"/>
+              <a:t>     "http://www.w3.org/TR/xhtml1/DTD/xhtml1-transitional.dtd"&gt;</a:t>
+            </a:r>
+          </a:p>
+        </p:txBody>
+      </p:sp>
+    </p:spTree>
+    <p:extLst>
+      <p:ext uri="{BB962C8B-B14F-4D97-AF65-F5344CB8AC3E}">
+        <p14:creationId xmlns:p14="http://schemas.microsoft.com/office/powerpoint/2010/main" val="3897702858"/>
+      </p:ext>
+    </p:extLst>
+  </p:cSld>
+  <p:clrMapOvr>
+    <a:masterClrMapping/>
+  </p:clrMapOvr>
+</p:sld>
+</file>
+
+<file path=ppt/slides/slide12.xml><?xml version="1.0" encoding="utf-8"?>
+<p:sld xmlns:a="http://schemas.openxmlformats.org/drawingml/2006/main" xmlns:r="http://schemas.openxmlformats.org/officeDocument/2006/relationships" xmlns:p="http://schemas.openxmlformats.org/presentationml/2006/main">
+  <p:cSld>
+    <p:spTree>
+      <p:nvGrpSpPr>
+        <p:cNvPr id="1" name=""/>
+        <p:cNvGrpSpPr/>
+        <p:nvPr/>
+      </p:nvGrpSpPr>
+      <p:grpSpPr>
+        <a:xfrm>
+          <a:off x="0" y="0"/>
+          <a:ext cx="0" cy="0"/>
+          <a:chOff x="0" y="0"/>
+          <a:chExt cx="0" cy="0"/>
+        </a:xfrm>
+      </p:grpSpPr>
+      <p:sp>
+        <p:nvSpPr>
+          <p:cNvPr id="2" name="Title 1"/>
+          <p:cNvSpPr>
+            <a:spLocks noGrp="1"/>
+          </p:cNvSpPr>
+          <p:nvPr>
+            <p:ph type="title"/>
+          </p:nvPr>
+        </p:nvSpPr>
+        <p:spPr/>
+        <p:txBody>
+          <a:bodyPr/>
+          <a:lstStyle/>
+          <a:p>
+            <a:r>
+              <a:rPr lang="en-US" dirty="0" smtClean="0"/>
+              <a:t>The only DOCTYPE declaration you need to know</a:t>
+            </a:r>
+            <a:endParaRPr lang="en-US" dirty="0"/>
+          </a:p>
+        </p:txBody>
+      </p:sp>
+      <p:pic>
+        <p:nvPicPr>
+          <p:cNvPr id="6" name="Content Placeholder 5"/>
+          <p:cNvPicPr>
+            <a:picLocks noGrp="1" noChangeAspect="1"/>
+          </p:cNvPicPr>
+          <p:nvPr>
+            <p:ph idx="1"/>
+          </p:nvPr>
+        </p:nvPicPr>
+        <p:blipFill>
+          <a:blip r:embed="rId2"/>
+          <a:stretch>
+            <a:fillRect/>
+          </a:stretch>
+        </p:blipFill>
+        <p:spPr>
+          <a:xfrm>
+            <a:off x="2155369" y="1811062"/>
+            <a:ext cx="8017328" cy="4462475"/>
+          </a:xfrm>
+          <a:prstGeom prst="rect">
+            <a:avLst/>
+          </a:prstGeom>
+        </p:spPr>
+      </p:pic>
+    </p:spTree>
+    <p:extLst>
+      <p:ext uri="{BB962C8B-B14F-4D97-AF65-F5344CB8AC3E}">
+        <p14:creationId xmlns:p14="http://schemas.microsoft.com/office/powerpoint/2010/main" val="3989605760"/>
+      </p:ext>
+    </p:extLst>
+  </p:cSld>
+  <p:clrMapOvr>
+    <a:masterClrMapping/>
+  </p:clrMapOvr>
+  <p:timing>
+    <p:tnLst>
+      <p:par>
+        <p:cTn id="1" dur="indefinite" restart="never" nodeType="tmRoot"/>
+      </p:par>
+    </p:tnLst>
+  </p:timing>
+</p:sld>
+</file>
+
+<file path=ppt/slides/slide13.xml><?xml version="1.0" encoding="utf-8"?>
+<p:sld xmlns:a="http://schemas.openxmlformats.org/drawingml/2006/main" xmlns:r="http://schemas.openxmlformats.org/officeDocument/2006/relationships" xmlns:p="http://schemas.openxmlformats.org/presentationml/2006/main">
+  <p:cSld>
+    <p:spTree>
+      <p:nvGrpSpPr>
+        <p:cNvPr id="1" name=""/>
+        <p:cNvGrpSpPr/>
+        <p:nvPr/>
+      </p:nvGrpSpPr>
+      <p:grpSpPr>
+        <a:xfrm>
+          <a:off x="0" y="0"/>
+          <a:ext cx="0" cy="0"/>
+          <a:chOff x="0" y="0"/>
+          <a:chExt cx="0" cy="0"/>
+        </a:xfrm>
+      </p:grpSpPr>
+      <p:sp>
+        <p:nvSpPr>
+          <p:cNvPr id="2" name="Title 1"/>
+          <p:cNvSpPr>
+            <a:spLocks noGrp="1"/>
+          </p:cNvSpPr>
+          <p:nvPr>
+            <p:ph type="title"/>
+          </p:nvPr>
+        </p:nvSpPr>
+        <p:spPr/>
+        <p:txBody>
+          <a:bodyPr/>
+          <a:lstStyle/>
+          <a:p>
+            <a:r>
+              <a:rPr lang="en-US" dirty="0" smtClean="0"/>
+              <a:t>HTML &lt;head&gt;</a:t>
+            </a:r>
+            <a:endParaRPr lang="en-US" dirty="0"/>
+          </a:p>
+        </p:txBody>
+      </p:sp>
+      <p:pic>
+        <p:nvPicPr>
+          <p:cNvPr id="7" name="Content Placeholder 6"/>
+          <p:cNvPicPr>
+            <a:picLocks noGrp="1" noChangeAspect="1"/>
+          </p:cNvPicPr>
+          <p:nvPr>
+            <p:ph idx="1"/>
+          </p:nvPr>
+        </p:nvPicPr>
+        <p:blipFill>
+          <a:blip r:embed="rId2"/>
+          <a:stretch>
+            <a:fillRect/>
+          </a:stretch>
+        </p:blipFill>
+        <p:spPr>
+          <a:xfrm>
+            <a:off x="1538151" y="1882683"/>
+            <a:ext cx="9157063" cy="4380788"/>
+          </a:xfrm>
+          <a:prstGeom prst="rect">
+            <a:avLst/>
+          </a:prstGeom>
+        </p:spPr>
+      </p:pic>
+    </p:spTree>
+    <p:extLst>
+      <p:ext uri="{BB962C8B-B14F-4D97-AF65-F5344CB8AC3E}">
+        <p14:creationId xmlns:p14="http://schemas.microsoft.com/office/powerpoint/2010/main" val="1960086334"/>
+      </p:ext>
+    </p:extLst>
+  </p:cSld>
+  <p:clrMapOvr>
+    <a:masterClrMapping/>
+  </p:clrMapOvr>
+  <p:timing>
+    <p:tnLst>
+      <p:par>
+        <p:cTn id="1" dur="indefinite" restart="never" nodeType="tmRoot"/>
+      </p:par>
+    </p:tnLst>
+  </p:timing>
+</p:sld>
+</file>
+
+<file path=ppt/slides/slide14.xml><?xml version="1.0" encoding="utf-8"?>
+<p:sld xmlns:a="http://schemas.openxmlformats.org/drawingml/2006/main" xmlns:r="http://schemas.openxmlformats.org/officeDocument/2006/relationships" xmlns:p="http://schemas.openxmlformats.org/presentationml/2006/main">
+  <p:cSld>
+    <p:spTree>
+      <p:nvGrpSpPr>
+        <p:cNvPr id="1" name=""/>
+        <p:cNvGrpSpPr/>
+        <p:nvPr/>
+      </p:nvGrpSpPr>
+      <p:grpSpPr>
+        <a:xfrm>
+          <a:off x="0" y="0"/>
+          <a:ext cx="0" cy="0"/>
+          <a:chOff x="0" y="0"/>
+          <a:chExt cx="0" cy="0"/>
+        </a:xfrm>
+      </p:grpSpPr>
+      <p:pic>
+        <p:nvPicPr>
+          <p:cNvPr id="6146" name="Picture 2" descr="http://www.tattooset.com/images/tattoo/2012/05/10/2829-head-body-tattoo-html_large.jpg"/>
+          <p:cNvPicPr>
+            <a:picLocks noChangeAspect="1" noChangeArrowheads="1"/>
+          </p:cNvPicPr>
+          <p:nvPr/>
+        </p:nvPicPr>
+        <p:blipFill>
+          <a:blip r:embed="rId2">
+            <a:extLst>
+              <a:ext uri="{28A0092B-C50C-407E-A947-70E740481C1C}">
+                <a14:useLocalDpi xmlns:a14="http://schemas.microsoft.com/office/drawing/2010/main" val="0"/>
+              </a:ext>
+            </a:extLst>
+          </a:blip>
+          <a:srcRect/>
+          <a:stretch>
+            <a:fillRect/>
+          </a:stretch>
+        </p:blipFill>
+        <p:spPr bwMode="auto">
+          <a:xfrm>
+            <a:off x="3600904" y="0"/>
+            <a:ext cx="4726668" cy="6296883"/>
+          </a:xfrm>
+          <a:prstGeom prst="rect">
+            <a:avLst/>
+          </a:prstGeom>
+          <a:noFill/>
+          <a:extLst>
+            <a:ext uri="{909E8E84-426E-40DD-AFC4-6F175D3DCCD1}">
+              <a14:hiddenFill xmlns:a14="http://schemas.microsoft.com/office/drawing/2010/main">
+                <a:solidFill>
+                  <a:srgbClr val="FFFFFF"/>
+                </a:solidFill>
+              </a14:hiddenFill>
+            </a:ext>
+          </a:extLst>
+        </p:spPr>
+      </p:pic>
+    </p:spTree>
+    <p:extLst>
+      <p:ext uri="{BB962C8B-B14F-4D97-AF65-F5344CB8AC3E}">
+        <p14:creationId xmlns:p14="http://schemas.microsoft.com/office/powerpoint/2010/main" val="1868172991"/>
+      </p:ext>
+    </p:extLst>
+  </p:cSld>
+  <p:clrMapOvr>
+    <a:masterClrMapping/>
+  </p:clrMapOvr>
+  <p:timing>
+    <p:tnLst>
+      <p:par>
+        <p:cTn id="1" dur="indefinite" restart="never" nodeType="tmRoot"/>
+      </p:par>
+    </p:tnLst>
+  </p:timing>
+</p:sld>
+</file>
+
+<file path=ppt/slides/slide15.xml><?xml version="1.0" encoding="utf-8"?>
+<p:sld xmlns:a="http://schemas.openxmlformats.org/drawingml/2006/main" xmlns:r="http://schemas.openxmlformats.org/officeDocument/2006/relationships" xmlns:p="http://schemas.openxmlformats.org/presentationml/2006/main">
+  <p:cSld>
+    <p:spTree>
+      <p:nvGrpSpPr>
+        <p:cNvPr id="1" name=""/>
+        <p:cNvGrpSpPr/>
+        <p:nvPr/>
+      </p:nvGrpSpPr>
+      <p:grpSpPr>
+        <a:xfrm>
+          <a:off x="0" y="0"/>
+          <a:ext cx="0" cy="0"/>
+          <a:chOff x="0" y="0"/>
+          <a:chExt cx="0" cy="0"/>
+        </a:xfrm>
+      </p:grpSpPr>
+      <p:sp>
+        <p:nvSpPr>
+          <p:cNvPr id="2" name="Title 1"/>
+          <p:cNvSpPr>
+            <a:spLocks noGrp="1"/>
+          </p:cNvSpPr>
+          <p:nvPr>
+            <p:ph type="title"/>
+          </p:nvPr>
+        </p:nvSpPr>
+        <p:spPr/>
+        <p:txBody>
+          <a:bodyPr/>
+          <a:lstStyle/>
+          <a:p>
+            <a:r>
+              <a:rPr lang="en-US" dirty="0" smtClean="0"/>
+              <a:t>HTML &lt;body&gt;</a:t>
+            </a:r>
+            <a:endParaRPr lang="en-US" dirty="0"/>
+          </a:p>
+        </p:txBody>
+      </p:sp>
+      <p:pic>
+        <p:nvPicPr>
+          <p:cNvPr id="7" name="Content Placeholder 6"/>
+          <p:cNvPicPr>
+            <a:picLocks noGrp="1" noChangeAspect="1"/>
+          </p:cNvPicPr>
+          <p:nvPr>
+            <p:ph idx="1"/>
+          </p:nvPr>
+        </p:nvPicPr>
+        <p:blipFill>
+          <a:blip r:embed="rId2"/>
+          <a:stretch>
+            <a:fillRect/>
+          </a:stretch>
+        </p:blipFill>
+        <p:spPr>
+          <a:xfrm>
+            <a:off x="1054467" y="1846263"/>
+            <a:ext cx="10101213" cy="4358594"/>
+          </a:xfrm>
+          <a:prstGeom prst="rect">
+            <a:avLst/>
+          </a:prstGeom>
+        </p:spPr>
+      </p:pic>
+    </p:spTree>
+    <p:extLst>
+      <p:ext uri="{BB962C8B-B14F-4D97-AF65-F5344CB8AC3E}">
+        <p14:creationId xmlns:p14="http://schemas.microsoft.com/office/powerpoint/2010/main" val="3110268340"/>
+      </p:ext>
+    </p:extLst>
+  </p:cSld>
+  <p:clrMapOvr>
+    <a:masterClrMapping/>
+  </p:clrMapOvr>
+</p:sld>
+</file>
+
+<file path=ppt/slides/slide16.xml><?xml version="1.0" encoding="utf-8"?>
+<p:sld xmlns:a="http://schemas.openxmlformats.org/drawingml/2006/main" xmlns:r="http://schemas.openxmlformats.org/officeDocument/2006/relationships" xmlns:p="http://schemas.openxmlformats.org/presentationml/2006/main">
+  <p:cSld>
+    <p:spTree>
+      <p:nvGrpSpPr>
+        <p:cNvPr id="1" name=""/>
+        <p:cNvGrpSpPr/>
+        <p:nvPr/>
+      </p:nvGrpSpPr>
+      <p:grpSpPr>
+        <a:xfrm>
+          <a:off x="0" y="0"/>
+          <a:ext cx="0" cy="0"/>
+          <a:chOff x="0" y="0"/>
+          <a:chExt cx="0" cy="0"/>
+        </a:xfrm>
+      </p:grpSpPr>
+      <p:sp>
+        <p:nvSpPr>
+          <p:cNvPr id="2" name="Title 1"/>
+          <p:cNvSpPr>
+            <a:spLocks noGrp="1"/>
+          </p:cNvSpPr>
+          <p:nvPr>
+            <p:ph type="title"/>
+          </p:nvPr>
+        </p:nvSpPr>
+        <p:spPr/>
+        <p:txBody>
+          <a:bodyPr/>
+          <a:lstStyle/>
+          <a:p>
+            <a:r>
+              <a:rPr lang="en-US" dirty="0" smtClean="0"/>
+              <a:t>HTML links:  relative vs absolute</a:t>
+            </a:r>
+            <a:endParaRPr lang="en-US" dirty="0"/>
+          </a:p>
+        </p:txBody>
+      </p:sp>
+      <p:pic>
+        <p:nvPicPr>
+          <p:cNvPr id="10242" name="Picture 2" descr="http://dungeonsmaster.com/wp-content/uploads/2012/10/treasue-map.jpg"/>
+          <p:cNvPicPr>
+            <a:picLocks noGrp="1" noChangeAspect="1" noChangeArrowheads="1"/>
+          </p:cNvPicPr>
+          <p:nvPr>
+            <p:ph idx="1"/>
+          </p:nvPr>
+        </p:nvPicPr>
+        <p:blipFill>
+          <a:blip r:embed="rId2">
+            <a:extLst>
+              <a:ext uri="{28A0092B-C50C-407E-A947-70E740481C1C}">
+                <a14:useLocalDpi xmlns:a14="http://schemas.microsoft.com/office/drawing/2010/main" val="0"/>
+              </a:ext>
+            </a:extLst>
+          </a:blip>
+          <a:srcRect/>
+          <a:stretch>
+            <a:fillRect/>
+          </a:stretch>
+        </p:blipFill>
+        <p:spPr bwMode="auto">
+          <a:xfrm>
+            <a:off x="1097280" y="1884317"/>
+            <a:ext cx="5186294" cy="3487783"/>
+          </a:xfrm>
+          <a:prstGeom prst="rect">
+            <a:avLst/>
+          </a:prstGeom>
+          <a:noFill/>
+          <a:extLst>
+            <a:ext uri="{909E8E84-426E-40DD-AFC4-6F175D3DCCD1}">
+              <a14:hiddenFill xmlns:a14="http://schemas.microsoft.com/office/drawing/2010/main">
+                <a:solidFill>
+                  <a:srgbClr val="FFFFFF"/>
+                </a:solidFill>
+              </a14:hiddenFill>
+            </a:ext>
+          </a:extLst>
+        </p:spPr>
+      </p:pic>
+      <p:pic>
+        <p:nvPicPr>
+          <p:cNvPr id="4" name="Picture 3"/>
+          <p:cNvPicPr>
+            <a:picLocks noChangeAspect="1"/>
+          </p:cNvPicPr>
+          <p:nvPr/>
+        </p:nvPicPr>
+        <p:blipFill>
+          <a:blip r:embed="rId3"/>
+          <a:stretch>
+            <a:fillRect/>
+          </a:stretch>
+        </p:blipFill>
+        <p:spPr>
+          <a:xfrm>
+            <a:off x="6283574" y="2044155"/>
+            <a:ext cx="5517390" cy="3299674"/>
+          </a:xfrm>
+          <a:prstGeom prst="rect">
+            <a:avLst/>
+          </a:prstGeom>
+        </p:spPr>
+      </p:pic>
+    </p:spTree>
+    <p:extLst>
+      <p:ext uri="{BB962C8B-B14F-4D97-AF65-F5344CB8AC3E}">
+        <p14:creationId xmlns:p14="http://schemas.microsoft.com/office/powerpoint/2010/main" val="881693407"/>
+      </p:ext>
+    </p:extLst>
+  </p:cSld>
+  <p:clrMapOvr>
+    <a:masterClrMapping/>
+  </p:clrMapOvr>
+</p:sld>
+</file>
+
+<file path=ppt/slides/slide17.xml><?xml version="1.0" encoding="utf-8"?>
+<p:sld xmlns:a="http://schemas.openxmlformats.org/drawingml/2006/main" xmlns:r="http://schemas.openxmlformats.org/officeDocument/2006/relationships" xmlns:p="http://schemas.openxmlformats.org/presentationml/2006/main">
+  <p:cSld>
+    <p:spTree>
+      <p:nvGrpSpPr>
+        <p:cNvPr id="1" name=""/>
+        <p:cNvGrpSpPr/>
+        <p:nvPr/>
+      </p:nvGrpSpPr>
+      <p:grpSpPr>
+        <a:xfrm>
+          <a:off x="0" y="0"/>
+          <a:ext cx="0" cy="0"/>
+          <a:chOff x="0" y="0"/>
+          <a:chExt cx="0" cy="0"/>
+        </a:xfrm>
+      </p:grpSpPr>
+      <p:pic>
+        <p:nvPicPr>
+          <p:cNvPr id="2" name="Picture 1"/>
+          <p:cNvPicPr>
+            <a:picLocks noChangeAspect="1"/>
+          </p:cNvPicPr>
+          <p:nvPr/>
+        </p:nvPicPr>
+        <p:blipFill>
+          <a:blip r:embed="rId2">
+            <a:extLst>
+              <a:ext uri="{28A0092B-C50C-407E-A947-70E740481C1C}">
+                <a14:useLocalDpi xmlns:a14="http://schemas.microsoft.com/office/drawing/2010/main" val="0"/>
+              </a:ext>
+            </a:extLst>
+          </a:blip>
+          <a:stretch>
+            <a:fillRect/>
+          </a:stretch>
+        </p:blipFill>
+        <p:spPr>
+          <a:xfrm>
+            <a:off x="1518646" y="0"/>
+            <a:ext cx="9154707" cy="6858000"/>
+          </a:xfrm>
+          <a:prstGeom prst="rect">
+            <a:avLst/>
+          </a:prstGeom>
+        </p:spPr>
+      </p:pic>
+      <p:sp>
+        <p:nvSpPr>
+          <p:cNvPr id="3" name="TextBox 2"/>
+          <p:cNvSpPr txBox="1"/>
+          <p:nvPr/>
+        </p:nvSpPr>
+        <p:spPr>
+          <a:xfrm>
+            <a:off x="1926771" y="6008914"/>
+            <a:ext cx="8518166" cy="584775"/>
+          </a:xfrm>
+          <a:prstGeom prst="rect">
+            <a:avLst/>
+          </a:prstGeom>
+        </p:spPr>
+        <p:style>
+          <a:lnRef idx="1">
+            <a:schemeClr val="accent1"/>
+          </a:lnRef>
+          <a:fillRef idx="3">
+            <a:schemeClr val="accent1"/>
+          </a:fillRef>
+          <a:effectRef idx="2">
+            <a:schemeClr val="accent1"/>
+          </a:effectRef>
+          <a:fontRef idx="minor">
+            <a:schemeClr val="lt1"/>
+          </a:fontRef>
+        </p:style>
+        <p:txBody>
+          <a:bodyPr wrap="none" rtlCol="0">
+            <a:spAutoFit/>
+          </a:bodyPr>
+          <a:lstStyle/>
+          <a:p>
+            <a:r>
+              <a:rPr lang="en-US" sz="3200" b="1" dirty="0" smtClean="0"/>
+              <a:t>Yes!  You *CAN* use &lt;table&gt; elements for layout!</a:t>
+            </a:r>
+            <a:endParaRPr lang="en-US" sz="3200" b="1" dirty="0"/>
+          </a:p>
+        </p:txBody>
+      </p:sp>
+    </p:spTree>
+    <p:extLst>
+      <p:ext uri="{BB962C8B-B14F-4D97-AF65-F5344CB8AC3E}">
+        <p14:creationId xmlns:p14="http://schemas.microsoft.com/office/powerpoint/2010/main" val="149409950"/>
+      </p:ext>
+    </p:extLst>
+  </p:cSld>
+  <p:clrMapOvr>
+    <a:masterClrMapping/>
+  </p:clrMapOvr>
+  <p:timing>
+    <p:tnLst>
+      <p:par>
+        <p:cTn id="1" dur="indefinite" restart="never" nodeType="tmRoot"/>
+      </p:par>
+    </p:tnLst>
+  </p:timing>
+</p:sld>
+</file>
+
+<file path=ppt/slides/slide18.xml><?xml version="1.0" encoding="utf-8"?>
+<p:sld xmlns:a="http://schemas.openxmlformats.org/drawingml/2006/main" xmlns:r="http://schemas.openxmlformats.org/officeDocument/2006/relationships" xmlns:p="http://schemas.openxmlformats.org/presentationml/2006/main">
+  <p:cSld>
+    <p:spTree>
+      <p:nvGrpSpPr>
+        <p:cNvPr id="1" name=""/>
+        <p:cNvGrpSpPr/>
+        <p:nvPr/>
+      </p:nvGrpSpPr>
+      <p:grpSpPr>
+        <a:xfrm>
+          <a:off x="0" y="0"/>
+          <a:ext cx="0" cy="0"/>
+          <a:chOff x="0" y="0"/>
+          <a:chExt cx="0" cy="0"/>
+        </a:xfrm>
+      </p:grpSpPr>
+      <p:pic>
+        <p:nvPicPr>
+          <p:cNvPr id="3" name="Picture 2"/>
+          <p:cNvPicPr>
+            <a:picLocks noChangeAspect="1"/>
+          </p:cNvPicPr>
+          <p:nvPr/>
+        </p:nvPicPr>
+        <p:blipFill>
+          <a:blip r:embed="rId2">
+            <a:extLst>
+              <a:ext uri="{28A0092B-C50C-407E-A947-70E740481C1C}">
+                <a14:useLocalDpi xmlns:a14="http://schemas.microsoft.com/office/drawing/2010/main" val="0"/>
+              </a:ext>
+            </a:extLst>
+          </a:blip>
+          <a:stretch>
+            <a:fillRect/>
+          </a:stretch>
+        </p:blipFill>
+        <p:spPr>
+          <a:xfrm>
+            <a:off x="900545" y="0"/>
+            <a:ext cx="10407921" cy="6869228"/>
+          </a:xfrm>
+          <a:prstGeom prst="rect">
+            <a:avLst/>
+          </a:prstGeom>
+        </p:spPr>
+      </p:pic>
+    </p:spTree>
+    <p:extLst>
+      <p:ext uri="{BB962C8B-B14F-4D97-AF65-F5344CB8AC3E}">
+        <p14:creationId xmlns:p14="http://schemas.microsoft.com/office/powerpoint/2010/main" val="1316770286"/>
+      </p:ext>
+    </p:extLst>
+  </p:cSld>
+  <p:clrMapOvr>
+    <a:masterClrMapping/>
+  </p:clrMapOvr>
+  <p:timing>
+    <p:tnLst>
+      <p:par>
+        <p:cTn id="1" dur="indefinite" restart="never" nodeType="tmRoot"/>
+      </p:par>
+    </p:tnLst>
+  </p:timing>
+</p:sld>
+</file>
+
 <file path=ppt/slides/slide2.xml><?xml version="1.0" encoding="utf-8"?>
 <p:sld xmlns:a="http://schemas.openxmlformats.org/drawingml/2006/main" xmlns:r="http://schemas.openxmlformats.org/officeDocument/2006/relationships" xmlns:p="http://schemas.openxmlformats.org/presentationml/2006/main">
   <p:cSld>
@@ -4199,13 +5095,38 @@
           <a:chExt cx="0" cy="0"/>
         </a:xfrm>
       </p:grpSpPr>
+      <p:sp>
+        <p:nvSpPr>
+          <p:cNvPr id="2" name="Title 1"/>
+          <p:cNvSpPr>
+            <a:spLocks noGrp="1"/>
+          </p:cNvSpPr>
+          <p:nvPr>
+            <p:ph type="title"/>
+          </p:nvPr>
+        </p:nvSpPr>
+        <p:spPr/>
+        <p:txBody>
+          <a:bodyPr/>
+          <a:lstStyle/>
+          <a:p>
+            <a:r>
+              <a:rPr lang="en-US" dirty="0" smtClean="0"/>
+              <a:t>HTML Element</a:t>
+            </a:r>
+            <a:endParaRPr lang="en-US" dirty="0"/>
+          </a:p>
+        </p:txBody>
+      </p:sp>
       <p:pic>
         <p:nvPicPr>
-          <p:cNvPr id="3" name="Picture 2"/>
+          <p:cNvPr id="1026" name="Picture 2" descr="https://mdn.mozillademos.org/files/8573/anatomy-of-an-html-element.png"/>
           <p:cNvPicPr>
-            <a:picLocks noChangeAspect="1"/>
+            <a:picLocks noGrp="1" noChangeAspect="1" noChangeArrowheads="1"/>
           </p:cNvPicPr>
-          <p:nvPr/>
+          <p:nvPr>
+            <p:ph idx="1"/>
+          </p:nvPr>
         </p:nvPicPr>
         <p:blipFill>
           <a:blip r:embed="rId2">
@@ -4215,37 +5136,329 @@
               </a:ext>
             </a:extLst>
           </a:blip>
+          <a:srcRect/>
           <a:stretch>
             <a:fillRect/>
           </a:stretch>
         </p:blipFill>
-        <p:spPr>
-          <a:xfrm>
-            <a:off x="900545" y="0"/>
-            <a:ext cx="10407921" cy="6869228"/>
+        <p:spPr bwMode="auto">
+          <a:xfrm>
+            <a:off x="1003027" y="2334986"/>
+            <a:ext cx="10383615" cy="3086099"/>
           </a:xfrm>
           <a:prstGeom prst="rect">
             <a:avLst/>
           </a:prstGeom>
+          <a:noFill/>
+          <a:extLst>
+            <a:ext uri="{909E8E84-426E-40DD-AFC4-6F175D3DCCD1}">
+              <a14:hiddenFill xmlns:a14="http://schemas.microsoft.com/office/drawing/2010/main">
+                <a:solidFill>
+                  <a:srgbClr val="FFFFFF"/>
+                </a:solidFill>
+              </a14:hiddenFill>
+            </a:ext>
+          </a:extLst>
         </p:spPr>
       </p:pic>
     </p:spTree>
     <p:extLst>
       <p:ext uri="{BB962C8B-B14F-4D97-AF65-F5344CB8AC3E}">
-        <p14:creationId xmlns:p14="http://schemas.microsoft.com/office/powerpoint/2010/main" val="1316770286"/>
+        <p14:creationId xmlns:p14="http://schemas.microsoft.com/office/powerpoint/2010/main" val="3342724250"/>
       </p:ext>
     </p:extLst>
   </p:cSld>
   <p:clrMapOvr>
     <a:masterClrMapping/>
   </p:clrMapOvr>
-  <p:timing>
-    <p:tnLst>
-      <p:par>
-        <p:cTn id="1" dur="indefinite" restart="never" nodeType="tmRoot"/>
-      </p:par>
-    </p:tnLst>
-  </p:timing>
+</p:sld>
+</file>
+
+<file path=ppt/slides/slide7.xml><?xml version="1.0" encoding="utf-8"?>
+<p:sld xmlns:a="http://schemas.openxmlformats.org/drawingml/2006/main" xmlns:r="http://schemas.openxmlformats.org/officeDocument/2006/relationships" xmlns:p="http://schemas.openxmlformats.org/presentationml/2006/main">
+  <p:cSld>
+    <p:spTree>
+      <p:nvGrpSpPr>
+        <p:cNvPr id="1" name=""/>
+        <p:cNvGrpSpPr/>
+        <p:nvPr/>
+      </p:nvGrpSpPr>
+      <p:grpSpPr>
+        <a:xfrm>
+          <a:off x="0" y="0"/>
+          <a:ext cx="0" cy="0"/>
+          <a:chOff x="0" y="0"/>
+          <a:chExt cx="0" cy="0"/>
+        </a:xfrm>
+      </p:grpSpPr>
+      <p:sp>
+        <p:nvSpPr>
+          <p:cNvPr id="2" name="Title 1"/>
+          <p:cNvSpPr>
+            <a:spLocks noGrp="1"/>
+          </p:cNvSpPr>
+          <p:nvPr>
+            <p:ph type="title"/>
+          </p:nvPr>
+        </p:nvSpPr>
+        <p:spPr/>
+        <p:txBody>
+          <a:bodyPr/>
+          <a:lstStyle/>
+          <a:p>
+            <a:r>
+              <a:rPr lang="en-US" dirty="0" smtClean="0"/>
+              <a:t>Block vs Inline elements</a:t>
+            </a:r>
+            <a:endParaRPr lang="en-US" dirty="0"/>
+          </a:p>
+        </p:txBody>
+      </p:sp>
+      <p:pic>
+        <p:nvPicPr>
+          <p:cNvPr id="2052" name="Picture 4" descr="http://www.rodescodesign.com/web1/new-block-vs-inline.png"/>
+          <p:cNvPicPr>
+            <a:picLocks noGrp="1" noChangeAspect="1" noChangeArrowheads="1"/>
+          </p:cNvPicPr>
+          <p:nvPr>
+            <p:ph idx="1"/>
+          </p:nvPr>
+        </p:nvPicPr>
+        <p:blipFill>
+          <a:blip r:embed="rId2">
+            <a:extLst>
+              <a:ext uri="{28A0092B-C50C-407E-A947-70E740481C1C}">
+                <a14:useLocalDpi xmlns:a14="http://schemas.microsoft.com/office/drawing/2010/main" val="0"/>
+              </a:ext>
+            </a:extLst>
+          </a:blip>
+          <a:srcRect/>
+          <a:stretch>
+            <a:fillRect/>
+          </a:stretch>
+        </p:blipFill>
+        <p:spPr bwMode="auto">
+          <a:xfrm>
+            <a:off x="2416630" y="1943100"/>
+            <a:ext cx="7560127" cy="4294414"/>
+          </a:xfrm>
+          <a:prstGeom prst="rect">
+            <a:avLst/>
+          </a:prstGeom>
+          <a:noFill/>
+          <a:extLst>
+            <a:ext uri="{909E8E84-426E-40DD-AFC4-6F175D3DCCD1}">
+              <a14:hiddenFill xmlns:a14="http://schemas.microsoft.com/office/drawing/2010/main">
+                <a:solidFill>
+                  <a:srgbClr val="FFFFFF"/>
+                </a:solidFill>
+              </a14:hiddenFill>
+            </a:ext>
+          </a:extLst>
+        </p:spPr>
+      </p:pic>
+    </p:spTree>
+    <p:extLst>
+      <p:ext uri="{BB962C8B-B14F-4D97-AF65-F5344CB8AC3E}">
+        <p14:creationId xmlns:p14="http://schemas.microsoft.com/office/powerpoint/2010/main" val="1747915273"/>
+      </p:ext>
+    </p:extLst>
+  </p:cSld>
+  <p:clrMapOvr>
+    <a:masterClrMapping/>
+  </p:clrMapOvr>
+</p:sld>
+</file>
+
+<file path=ppt/slides/slide8.xml><?xml version="1.0" encoding="utf-8"?>
+<p:sld xmlns:a="http://schemas.openxmlformats.org/drawingml/2006/main" xmlns:r="http://schemas.openxmlformats.org/officeDocument/2006/relationships" xmlns:p="http://schemas.openxmlformats.org/presentationml/2006/main">
+  <p:cSld>
+    <p:spTree>
+      <p:nvGrpSpPr>
+        <p:cNvPr id="1" name=""/>
+        <p:cNvGrpSpPr/>
+        <p:nvPr/>
+      </p:nvGrpSpPr>
+      <p:grpSpPr>
+        <a:xfrm>
+          <a:off x="0" y="0"/>
+          <a:ext cx="0" cy="0"/>
+          <a:chOff x="0" y="0"/>
+          <a:chExt cx="0" cy="0"/>
+        </a:xfrm>
+      </p:grpSpPr>
+      <p:sp>
+        <p:nvSpPr>
+          <p:cNvPr id="2" name="Title 1"/>
+          <p:cNvSpPr>
+            <a:spLocks noGrp="1"/>
+          </p:cNvSpPr>
+          <p:nvPr>
+            <p:ph type="title"/>
+          </p:nvPr>
+        </p:nvSpPr>
+        <p:spPr/>
+        <p:txBody>
+          <a:bodyPr/>
+          <a:lstStyle/>
+          <a:p>
+            <a:r>
+              <a:rPr lang="en-US" dirty="0" smtClean="0"/>
+              <a:t>Block elements</a:t>
+            </a:r>
+            <a:endParaRPr lang="en-US" dirty="0"/>
+          </a:p>
+        </p:txBody>
+      </p:sp>
+      <p:pic>
+        <p:nvPicPr>
+          <p:cNvPr id="3074" name="Picture 2" descr="http://cdn.impressivewebs.com/2011-11/block.jpg"/>
+          <p:cNvPicPr>
+            <a:picLocks noGrp="1" noChangeAspect="1" noChangeArrowheads="1"/>
+          </p:cNvPicPr>
+          <p:nvPr>
+            <p:ph idx="1"/>
+          </p:nvPr>
+        </p:nvPicPr>
+        <p:blipFill>
+          <a:blip r:embed="rId2">
+            <a:extLst>
+              <a:ext uri="{28A0092B-C50C-407E-A947-70E740481C1C}">
+                <a14:useLocalDpi xmlns:a14="http://schemas.microsoft.com/office/drawing/2010/main" val="0"/>
+              </a:ext>
+            </a:extLst>
+          </a:blip>
+          <a:srcRect/>
+          <a:stretch>
+            <a:fillRect/>
+          </a:stretch>
+        </p:blipFill>
+        <p:spPr bwMode="auto">
+          <a:xfrm>
+            <a:off x="2423526" y="1951945"/>
+            <a:ext cx="7405908" cy="4171269"/>
+          </a:xfrm>
+          <a:prstGeom prst="rect">
+            <a:avLst/>
+          </a:prstGeom>
+          <a:noFill/>
+          <a:extLst>
+            <a:ext uri="{909E8E84-426E-40DD-AFC4-6F175D3DCCD1}">
+              <a14:hiddenFill xmlns:a14="http://schemas.microsoft.com/office/drawing/2010/main">
+                <a:solidFill>
+                  <a:srgbClr val="FFFFFF"/>
+                </a:solidFill>
+              </a14:hiddenFill>
+            </a:ext>
+          </a:extLst>
+        </p:spPr>
+      </p:pic>
+    </p:spTree>
+    <p:extLst>
+      <p:ext uri="{BB962C8B-B14F-4D97-AF65-F5344CB8AC3E}">
+        <p14:creationId xmlns:p14="http://schemas.microsoft.com/office/powerpoint/2010/main" val="25429245"/>
+      </p:ext>
+    </p:extLst>
+  </p:cSld>
+  <p:clrMapOvr>
+    <a:masterClrMapping/>
+  </p:clrMapOvr>
+</p:sld>
+</file>
+
+<file path=ppt/slides/slide9.xml><?xml version="1.0" encoding="utf-8"?>
+<p:sld xmlns:a="http://schemas.openxmlformats.org/drawingml/2006/main" xmlns:r="http://schemas.openxmlformats.org/officeDocument/2006/relationships" xmlns:p="http://schemas.openxmlformats.org/presentationml/2006/main">
+  <p:cSld>
+    <p:spTree>
+      <p:nvGrpSpPr>
+        <p:cNvPr id="1" name=""/>
+        <p:cNvGrpSpPr/>
+        <p:nvPr/>
+      </p:nvGrpSpPr>
+      <p:grpSpPr>
+        <a:xfrm>
+          <a:off x="0" y="0"/>
+          <a:ext cx="0" cy="0"/>
+          <a:chOff x="0" y="0"/>
+          <a:chExt cx="0" cy="0"/>
+        </a:xfrm>
+      </p:grpSpPr>
+      <p:sp>
+        <p:nvSpPr>
+          <p:cNvPr id="2" name="Title 1"/>
+          <p:cNvSpPr>
+            <a:spLocks noGrp="1"/>
+          </p:cNvSpPr>
+          <p:nvPr>
+            <p:ph type="title"/>
+          </p:nvPr>
+        </p:nvSpPr>
+        <p:spPr/>
+        <p:txBody>
+          <a:bodyPr/>
+          <a:lstStyle/>
+          <a:p>
+            <a:r>
+              <a:rPr lang="en-US" dirty="0" smtClean="0"/>
+              <a:t>Inline Elements</a:t>
+            </a:r>
+            <a:endParaRPr lang="en-US" dirty="0"/>
+          </a:p>
+        </p:txBody>
+      </p:sp>
+      <p:pic>
+        <p:nvPicPr>
+          <p:cNvPr id="4098" name="Picture 2" descr="http://cdn.impressivewebs.com/2011-11/inline.jpg"/>
+          <p:cNvPicPr>
+            <a:picLocks noGrp="1" noChangeAspect="1" noChangeArrowheads="1"/>
+          </p:cNvPicPr>
+          <p:nvPr>
+            <p:ph idx="1"/>
+          </p:nvPr>
+        </p:nvPicPr>
+        <p:blipFill>
+          <a:blip r:embed="rId2">
+            <a:extLst>
+              <a:ext uri="{28A0092B-C50C-407E-A947-70E740481C1C}">
+                <a14:useLocalDpi xmlns:a14="http://schemas.microsoft.com/office/drawing/2010/main" val="0"/>
+              </a:ext>
+            </a:extLst>
+          </a:blip>
+          <a:srcRect/>
+          <a:stretch>
+            <a:fillRect/>
+          </a:stretch>
+        </p:blipFill>
+        <p:spPr bwMode="auto">
+          <a:xfrm>
+            <a:off x="2383041" y="1951945"/>
+            <a:ext cx="7486877" cy="4216873"/>
+          </a:xfrm>
+          <a:prstGeom prst="rect">
+            <a:avLst/>
+          </a:prstGeom>
+          <a:noFill/>
+          <a:extLst>
+            <a:ext uri="{909E8E84-426E-40DD-AFC4-6F175D3DCCD1}">
+              <a14:hiddenFill xmlns:a14="http://schemas.microsoft.com/office/drawing/2010/main">
+                <a:solidFill>
+                  <a:srgbClr val="FFFFFF"/>
+                </a:solidFill>
+              </a14:hiddenFill>
+            </a:ext>
+          </a:extLst>
+        </p:spPr>
+      </p:pic>
+    </p:spTree>
+    <p:extLst>
+      <p:ext uri="{BB962C8B-B14F-4D97-AF65-F5344CB8AC3E}">
+        <p14:creationId xmlns:p14="http://schemas.microsoft.com/office/powerpoint/2010/main" val="465009515"/>
+      </p:ext>
+    </p:extLst>
+  </p:cSld>
+  <p:clrMapOvr>
+    <a:masterClrMapping/>
+  </p:clrMapOvr>
 </p:sld>
 </file>
 

--- a/Web/AngleBrackets.pptx
+++ b/Web/AngleBrackets.pptx
@@ -21,8 +21,11 @@
     <p:sldId id="271" r:id="rId15"/>
     <p:sldId id="276" r:id="rId16"/>
     <p:sldId id="277" r:id="rId17"/>
-    <p:sldId id="274" r:id="rId18"/>
-    <p:sldId id="259" r:id="rId19"/>
+    <p:sldId id="278" r:id="rId18"/>
+    <p:sldId id="279" r:id="rId19"/>
+    <p:sldId id="280" r:id="rId20"/>
+    <p:sldId id="274" r:id="rId21"/>
+    <p:sldId id="259" r:id="rId22"/>
   </p:sldIdLst>
   <p:sldSz cx="12192000" cy="6858000"/>
   <p:notesSz cx="6858000" cy="9144000"/>
@@ -3803,6 +3806,13 @@
   <p:clrMapOvr>
     <a:masterClrMapping/>
   </p:clrMapOvr>
+  <p:timing>
+    <p:tnLst>
+      <p:par>
+        <p:cTn id="1" dur="indefinite" restart="never" nodeType="tmRoot"/>
+      </p:par>
+    </p:tnLst>
+  </p:timing>
 </p:sld>
 </file>
 
@@ -4061,6 +4071,13 @@
   <p:clrMapOvr>
     <a:masterClrMapping/>
   </p:clrMapOvr>
+  <p:timing>
+    <p:tnLst>
+      <p:par>
+        <p:cTn id="1" dur="indefinite" restart="never" nodeType="tmRoot"/>
+      </p:par>
+    </p:tnLst>
+  </p:timing>
 </p:sld>
 </file>
 
@@ -4390,6 +4407,13 @@
   <p:clrMapOvr>
     <a:masterClrMapping/>
   </p:clrMapOvr>
+  <p:timing>
+    <p:tnLst>
+      <p:par>
+        <p:cTn id="1" dur="indefinite" restart="never" nodeType="tmRoot"/>
+      </p:par>
+    </p:tnLst>
+  </p:timing>
 </p:sld>
 </file>
 
@@ -4510,10 +4534,502 @@
   <p:clrMapOvr>
     <a:masterClrMapping/>
   </p:clrMapOvr>
+  <p:timing>
+    <p:tnLst>
+      <p:par>
+        <p:cTn id="1" dur="indefinite" restart="never" nodeType="tmRoot"/>
+      </p:par>
+    </p:tnLst>
+  </p:timing>
 </p:sld>
 </file>
 
 <file path=ppt/slides/slide17.xml><?xml version="1.0" encoding="utf-8"?>
+<p:sld xmlns:a="http://schemas.openxmlformats.org/drawingml/2006/main" xmlns:r="http://schemas.openxmlformats.org/officeDocument/2006/relationships" xmlns:p="http://schemas.openxmlformats.org/presentationml/2006/main">
+  <p:cSld>
+    <p:spTree>
+      <p:nvGrpSpPr>
+        <p:cNvPr id="1" name=""/>
+        <p:cNvGrpSpPr/>
+        <p:nvPr/>
+      </p:nvGrpSpPr>
+      <p:grpSpPr>
+        <a:xfrm>
+          <a:off x="0" y="0"/>
+          <a:ext cx="0" cy="0"/>
+          <a:chOff x="0" y="0"/>
+          <a:chExt cx="0" cy="0"/>
+        </a:xfrm>
+      </p:grpSpPr>
+      <p:sp>
+        <p:nvSpPr>
+          <p:cNvPr id="2" name="Title 1"/>
+          <p:cNvSpPr>
+            <a:spLocks noGrp="1"/>
+          </p:cNvSpPr>
+          <p:nvPr>
+            <p:ph type="title"/>
+          </p:nvPr>
+        </p:nvSpPr>
+        <p:spPr/>
+        <p:txBody>
+          <a:bodyPr/>
+          <a:lstStyle/>
+          <a:p>
+            <a:r>
+              <a:rPr lang="en-US" dirty="0" smtClean="0"/>
+              <a:t>HTML &lt;</a:t>
+            </a:r>
+            <a:r>
+              <a:rPr lang="en-US" dirty="0" err="1" smtClean="0"/>
+              <a:t>img</a:t>
+            </a:r>
+            <a:r>
+              <a:rPr lang="en-US" dirty="0" smtClean="0"/>
+              <a:t>&gt; element</a:t>
+            </a:r>
+            <a:endParaRPr lang="en-US" dirty="0"/>
+          </a:p>
+        </p:txBody>
+      </p:sp>
+      <p:pic>
+        <p:nvPicPr>
+          <p:cNvPr id="4" name="Picture 2" descr="http://www.ntu.edu.sg/home/ehchua/programming/webprogramming/images/HTTP.png"/>
+          <p:cNvPicPr>
+            <a:picLocks noGrp="1" noChangeAspect="1" noChangeArrowheads="1"/>
+          </p:cNvPicPr>
+          <p:nvPr>
+            <p:ph idx="1"/>
+          </p:nvPr>
+        </p:nvPicPr>
+        <p:blipFill>
+          <a:blip r:embed="rId2">
+            <a:extLst>
+              <a:ext uri="{28A0092B-C50C-407E-A947-70E740481C1C}">
+                <a14:useLocalDpi xmlns:a14="http://schemas.microsoft.com/office/drawing/2010/main" val="0"/>
+              </a:ext>
+            </a:extLst>
+          </a:blip>
+          <a:srcRect/>
+          <a:stretch>
+            <a:fillRect/>
+          </a:stretch>
+        </p:blipFill>
+        <p:spPr bwMode="auto">
+          <a:xfrm>
+            <a:off x="1097280" y="1737360"/>
+            <a:ext cx="5311600" cy="1821338"/>
+          </a:xfrm>
+          <a:prstGeom prst="rect">
+            <a:avLst/>
+          </a:prstGeom>
+          <a:noFill/>
+          <a:extLst>
+            <a:ext uri="{909E8E84-426E-40DD-AFC4-6F175D3DCCD1}">
+              <a14:hiddenFill xmlns:a14="http://schemas.microsoft.com/office/drawing/2010/main">
+                <a:solidFill>
+                  <a:srgbClr val="FFFFFF"/>
+                </a:solidFill>
+              </a14:hiddenFill>
+            </a:ext>
+          </a:extLst>
+        </p:spPr>
+      </p:pic>
+      <p:pic>
+        <p:nvPicPr>
+          <p:cNvPr id="5" name="Picture 4"/>
+          <p:cNvPicPr>
+            <a:picLocks noChangeAspect="1"/>
+          </p:cNvPicPr>
+          <p:nvPr/>
+        </p:nvPicPr>
+        <p:blipFill>
+          <a:blip r:embed="rId3"/>
+          <a:stretch>
+            <a:fillRect/>
+          </a:stretch>
+        </p:blipFill>
+        <p:spPr>
+          <a:xfrm>
+            <a:off x="6358910" y="1961607"/>
+            <a:ext cx="4846740" cy="1219306"/>
+          </a:xfrm>
+          <a:prstGeom prst="rect">
+            <a:avLst/>
+          </a:prstGeom>
+        </p:spPr>
+      </p:pic>
+      <p:pic>
+        <p:nvPicPr>
+          <p:cNvPr id="6" name="Picture 2" descr="http://www.ntu.edu.sg/home/ehchua/programming/webprogramming/images/HTTP.png"/>
+          <p:cNvPicPr>
+            <a:picLocks noChangeAspect="1" noChangeArrowheads="1"/>
+          </p:cNvPicPr>
+          <p:nvPr/>
+        </p:nvPicPr>
+        <p:blipFill>
+          <a:blip r:embed="rId2">
+            <a:extLst>
+              <a:ext uri="{28A0092B-C50C-407E-A947-70E740481C1C}">
+                <a14:useLocalDpi xmlns:a14="http://schemas.microsoft.com/office/drawing/2010/main" val="0"/>
+              </a:ext>
+            </a:extLst>
+          </a:blip>
+          <a:srcRect/>
+          <a:stretch>
+            <a:fillRect/>
+          </a:stretch>
+        </p:blipFill>
+        <p:spPr bwMode="auto">
+          <a:xfrm>
+            <a:off x="1097280" y="3790149"/>
+            <a:ext cx="5311600" cy="1821338"/>
+          </a:xfrm>
+          <a:prstGeom prst="rect">
+            <a:avLst/>
+          </a:prstGeom>
+          <a:noFill/>
+          <a:extLst>
+            <a:ext uri="{909E8E84-426E-40DD-AFC4-6F175D3DCCD1}">
+              <a14:hiddenFill xmlns:a14="http://schemas.microsoft.com/office/drawing/2010/main">
+                <a:solidFill>
+                  <a:srgbClr val="FFFFFF"/>
+                </a:solidFill>
+              </a14:hiddenFill>
+            </a:ext>
+          </a:extLst>
+        </p:spPr>
+      </p:pic>
+      <p:pic>
+        <p:nvPicPr>
+          <p:cNvPr id="7" name="Picture 6"/>
+          <p:cNvPicPr>
+            <a:picLocks noChangeAspect="1"/>
+          </p:cNvPicPr>
+          <p:nvPr/>
+        </p:nvPicPr>
+        <p:blipFill>
+          <a:blip r:embed="rId4"/>
+          <a:stretch>
+            <a:fillRect/>
+          </a:stretch>
+        </p:blipFill>
+        <p:spPr>
+          <a:xfrm>
+            <a:off x="6408880" y="4022434"/>
+            <a:ext cx="2233794" cy="1356767"/>
+          </a:xfrm>
+          <a:prstGeom prst="rect">
+            <a:avLst/>
+          </a:prstGeom>
+        </p:spPr>
+      </p:pic>
+    </p:spTree>
+    <p:extLst>
+      <p:ext uri="{BB962C8B-B14F-4D97-AF65-F5344CB8AC3E}">
+        <p14:creationId xmlns:p14="http://schemas.microsoft.com/office/powerpoint/2010/main" val="353536520"/>
+      </p:ext>
+    </p:extLst>
+  </p:cSld>
+  <p:clrMapOvr>
+    <a:masterClrMapping/>
+  </p:clrMapOvr>
+  <p:timing>
+    <p:tnLst>
+      <p:par>
+        <p:cTn id="1" dur="indefinite" restart="never" nodeType="tmRoot"/>
+      </p:par>
+    </p:tnLst>
+  </p:timing>
+</p:sld>
+</file>
+
+<file path=ppt/slides/slide18.xml><?xml version="1.0" encoding="utf-8"?>
+<p:sld xmlns:a="http://schemas.openxmlformats.org/drawingml/2006/main" xmlns:r="http://schemas.openxmlformats.org/officeDocument/2006/relationships" xmlns:p="http://schemas.openxmlformats.org/presentationml/2006/main">
+  <p:cSld>
+    <p:spTree>
+      <p:nvGrpSpPr>
+        <p:cNvPr id="1" name=""/>
+        <p:cNvGrpSpPr/>
+        <p:nvPr/>
+      </p:nvGrpSpPr>
+      <p:grpSpPr>
+        <a:xfrm>
+          <a:off x="0" y="0"/>
+          <a:ext cx="0" cy="0"/>
+          <a:chOff x="0" y="0"/>
+          <a:chExt cx="0" cy="0"/>
+        </a:xfrm>
+      </p:grpSpPr>
+      <p:sp>
+        <p:nvSpPr>
+          <p:cNvPr id="2" name="Title 1"/>
+          <p:cNvSpPr>
+            <a:spLocks noGrp="1"/>
+          </p:cNvSpPr>
+          <p:nvPr>
+            <p:ph type="title"/>
+          </p:nvPr>
+        </p:nvSpPr>
+        <p:spPr/>
+        <p:txBody>
+          <a:bodyPr/>
+          <a:lstStyle/>
+          <a:p>
+            <a:r>
+              <a:rPr lang="en-US" dirty="0" smtClean="0"/>
+              <a:t>HTML &lt;table&gt; element</a:t>
+            </a:r>
+            <a:endParaRPr lang="en-US" dirty="0"/>
+          </a:p>
+        </p:txBody>
+      </p:sp>
+      <p:pic>
+        <p:nvPicPr>
+          <p:cNvPr id="4" name="Content Placeholder 3"/>
+          <p:cNvPicPr>
+            <a:picLocks noGrp="1" noChangeAspect="1"/>
+          </p:cNvPicPr>
+          <p:nvPr>
+            <p:ph idx="1"/>
+          </p:nvPr>
+        </p:nvPicPr>
+        <p:blipFill>
+          <a:blip r:embed="rId2"/>
+          <a:stretch>
+            <a:fillRect/>
+          </a:stretch>
+        </p:blipFill>
+        <p:spPr>
+          <a:xfrm>
+            <a:off x="1097279" y="1895249"/>
+            <a:ext cx="1727563" cy="4437945"/>
+          </a:xfrm>
+          <a:prstGeom prst="rect">
+            <a:avLst/>
+          </a:prstGeom>
+        </p:spPr>
+      </p:pic>
+      <p:pic>
+        <p:nvPicPr>
+          <p:cNvPr id="5" name="Picture 4"/>
+          <p:cNvPicPr>
+            <a:picLocks noChangeAspect="1"/>
+          </p:cNvPicPr>
+          <p:nvPr/>
+        </p:nvPicPr>
+        <p:blipFill>
+          <a:blip r:embed="rId3"/>
+          <a:stretch>
+            <a:fillRect/>
+          </a:stretch>
+        </p:blipFill>
+        <p:spPr>
+          <a:xfrm>
+            <a:off x="2948865" y="1895249"/>
+            <a:ext cx="4774549" cy="4288644"/>
+          </a:xfrm>
+          <a:prstGeom prst="rect">
+            <a:avLst/>
+          </a:prstGeom>
+        </p:spPr>
+      </p:pic>
+    </p:spTree>
+    <p:extLst>
+      <p:ext uri="{BB962C8B-B14F-4D97-AF65-F5344CB8AC3E}">
+        <p14:creationId xmlns:p14="http://schemas.microsoft.com/office/powerpoint/2010/main" val="905237492"/>
+      </p:ext>
+    </p:extLst>
+  </p:cSld>
+  <p:clrMapOvr>
+    <a:masterClrMapping/>
+  </p:clrMapOvr>
+</p:sld>
+</file>
+
+<file path=ppt/slides/slide19.xml><?xml version="1.0" encoding="utf-8"?>
+<p:sld xmlns:a="http://schemas.openxmlformats.org/drawingml/2006/main" xmlns:r="http://schemas.openxmlformats.org/officeDocument/2006/relationships" xmlns:p="http://schemas.openxmlformats.org/presentationml/2006/main">
+  <p:cSld>
+    <p:spTree>
+      <p:nvGrpSpPr>
+        <p:cNvPr id="1" name=""/>
+        <p:cNvGrpSpPr/>
+        <p:nvPr/>
+      </p:nvGrpSpPr>
+      <p:grpSpPr>
+        <a:xfrm>
+          <a:off x="0" y="0"/>
+          <a:ext cx="0" cy="0"/>
+          <a:chOff x="0" y="0"/>
+          <a:chExt cx="0" cy="0"/>
+        </a:xfrm>
+      </p:grpSpPr>
+      <p:sp>
+        <p:nvSpPr>
+          <p:cNvPr id="2" name="Title 1"/>
+          <p:cNvSpPr>
+            <a:spLocks noGrp="1"/>
+          </p:cNvSpPr>
+          <p:nvPr>
+            <p:ph type="title"/>
+          </p:nvPr>
+        </p:nvSpPr>
+        <p:spPr/>
+        <p:txBody>
+          <a:bodyPr/>
+          <a:lstStyle/>
+          <a:p>
+            <a:r>
+              <a:rPr lang="en-US" dirty="0" smtClean="0"/>
+              <a:t>HTML &lt;form&gt; element</a:t>
+            </a:r>
+            <a:endParaRPr lang="en-US" dirty="0"/>
+          </a:p>
+        </p:txBody>
+      </p:sp>
+      <p:pic>
+        <p:nvPicPr>
+          <p:cNvPr id="4" name="Content Placeholder 3"/>
+          <p:cNvPicPr>
+            <a:picLocks noGrp="1" noChangeAspect="1"/>
+          </p:cNvPicPr>
+          <p:nvPr>
+            <p:ph idx="1"/>
+          </p:nvPr>
+        </p:nvPicPr>
+        <p:blipFill>
+          <a:blip r:embed="rId2"/>
+          <a:stretch>
+            <a:fillRect/>
+          </a:stretch>
+        </p:blipFill>
+        <p:spPr>
+          <a:xfrm>
+            <a:off x="3739243" y="1810293"/>
+            <a:ext cx="4408714" cy="4464403"/>
+          </a:xfrm>
+          <a:prstGeom prst="rect">
+            <a:avLst/>
+          </a:prstGeom>
+        </p:spPr>
+      </p:pic>
+    </p:spTree>
+    <p:extLst>
+      <p:ext uri="{BB962C8B-B14F-4D97-AF65-F5344CB8AC3E}">
+        <p14:creationId xmlns:p14="http://schemas.microsoft.com/office/powerpoint/2010/main" val="1539533603"/>
+      </p:ext>
+    </p:extLst>
+  </p:cSld>
+  <p:clrMapOvr>
+    <a:masterClrMapping/>
+  </p:clrMapOvr>
+</p:sld>
+</file>
+
+<file path=ppt/slides/slide2.xml><?xml version="1.0" encoding="utf-8"?>
+<p:sld xmlns:a="http://schemas.openxmlformats.org/drawingml/2006/main" xmlns:r="http://schemas.openxmlformats.org/officeDocument/2006/relationships" xmlns:p="http://schemas.openxmlformats.org/presentationml/2006/main">
+  <p:cSld>
+    <p:spTree>
+      <p:nvGrpSpPr>
+        <p:cNvPr id="1" name=""/>
+        <p:cNvGrpSpPr/>
+        <p:nvPr/>
+      </p:nvGrpSpPr>
+      <p:grpSpPr>
+        <a:xfrm>
+          <a:off x="0" y="0"/>
+          <a:ext cx="0" cy="0"/>
+          <a:chOff x="0" y="0"/>
+          <a:chExt cx="0" cy="0"/>
+        </a:xfrm>
+      </p:grpSpPr>
+      <p:sp>
+        <p:nvSpPr>
+          <p:cNvPr id="2" name="Title 1"/>
+          <p:cNvSpPr>
+            <a:spLocks noGrp="1"/>
+          </p:cNvSpPr>
+          <p:nvPr>
+            <p:ph type="title"/>
+          </p:nvPr>
+        </p:nvSpPr>
+        <p:spPr/>
+        <p:txBody>
+          <a:bodyPr/>
+          <a:lstStyle/>
+          <a:p>
+            <a:r>
+              <a:rPr lang="en-US" dirty="0" smtClean="0"/>
+              <a:t>URLs</a:t>
+            </a:r>
+            <a:endParaRPr lang="en-US" dirty="0"/>
+          </a:p>
+        </p:txBody>
+      </p:sp>
+      <p:pic>
+        <p:nvPicPr>
+          <p:cNvPr id="2050" name="Picture 2" descr="https://blog.quixey.com/wp-content/uploads/2015/02/whatisdeeplinking11.png"/>
+          <p:cNvPicPr>
+            <a:picLocks noGrp="1" noChangeAspect="1" noChangeArrowheads="1"/>
+          </p:cNvPicPr>
+          <p:nvPr>
+            <p:ph idx="1"/>
+          </p:nvPr>
+        </p:nvPicPr>
+        <p:blipFill>
+          <a:blip r:embed="rId2">
+            <a:extLst>
+              <a:ext uri="{28A0092B-C50C-407E-A947-70E740481C1C}">
+                <a14:useLocalDpi xmlns:a14="http://schemas.microsoft.com/office/drawing/2010/main" val="0"/>
+              </a:ext>
+            </a:extLst>
+          </a:blip>
+          <a:srcRect/>
+          <a:stretch>
+            <a:fillRect/>
+          </a:stretch>
+        </p:blipFill>
+        <p:spPr bwMode="auto">
+          <a:xfrm>
+            <a:off x="1096963" y="2985898"/>
+            <a:ext cx="10058400" cy="1743455"/>
+          </a:xfrm>
+          <a:prstGeom prst="rect">
+            <a:avLst/>
+          </a:prstGeom>
+          <a:noFill/>
+          <a:extLst>
+            <a:ext uri="{909E8E84-426E-40DD-AFC4-6F175D3DCCD1}">
+              <a14:hiddenFill xmlns:a14="http://schemas.microsoft.com/office/drawing/2010/main">
+                <a:solidFill>
+                  <a:srgbClr val="FFFFFF"/>
+                </a:solidFill>
+              </a14:hiddenFill>
+            </a:ext>
+          </a:extLst>
+        </p:spPr>
+      </p:pic>
+    </p:spTree>
+    <p:extLst>
+      <p:ext uri="{BB962C8B-B14F-4D97-AF65-F5344CB8AC3E}">
+        <p14:creationId xmlns:p14="http://schemas.microsoft.com/office/powerpoint/2010/main" val="380262174"/>
+      </p:ext>
+    </p:extLst>
+  </p:cSld>
+  <p:clrMapOvr>
+    <a:masterClrMapping/>
+  </p:clrMapOvr>
+  <p:timing>
+    <p:tnLst>
+      <p:par>
+        <p:cTn id="1" dur="indefinite" restart="never" nodeType="tmRoot"/>
+      </p:par>
+    </p:tnLst>
+  </p:timing>
+</p:sld>
+</file>
+
+<file path=ppt/slides/slide20.xml><?xml version="1.0" encoding="utf-8"?>
 <p:sld xmlns:a="http://schemas.openxmlformats.org/drawingml/2006/main" xmlns:r="http://schemas.openxmlformats.org/officeDocument/2006/relationships" xmlns:p="http://schemas.openxmlformats.org/presentationml/2006/main">
   <p:cSld>
     <p:spTree>
@@ -4623,7 +5139,7 @@
 </p:sld>
 </file>
 
-<file path=ppt/slides/slide18.xml><?xml version="1.0" encoding="utf-8"?>
+<file path=ppt/slides/slide21.xml><?xml version="1.0" encoding="utf-8"?>
 <p:sld xmlns:a="http://schemas.openxmlformats.org/drawingml/2006/main" xmlns:r="http://schemas.openxmlformats.org/officeDocument/2006/relationships" xmlns:p="http://schemas.openxmlformats.org/presentationml/2006/main">
   <p:cSld>
     <p:spTree>
@@ -4690,102 +5206,6 @@
 </p:sld>
 </file>
 
-<file path=ppt/slides/slide2.xml><?xml version="1.0" encoding="utf-8"?>
-<p:sld xmlns:a="http://schemas.openxmlformats.org/drawingml/2006/main" xmlns:r="http://schemas.openxmlformats.org/officeDocument/2006/relationships" xmlns:p="http://schemas.openxmlformats.org/presentationml/2006/main">
-  <p:cSld>
-    <p:spTree>
-      <p:nvGrpSpPr>
-        <p:cNvPr id="1" name=""/>
-        <p:cNvGrpSpPr/>
-        <p:nvPr/>
-      </p:nvGrpSpPr>
-      <p:grpSpPr>
-        <a:xfrm>
-          <a:off x="0" y="0"/>
-          <a:ext cx="0" cy="0"/>
-          <a:chOff x="0" y="0"/>
-          <a:chExt cx="0" cy="0"/>
-        </a:xfrm>
-      </p:grpSpPr>
-      <p:sp>
-        <p:nvSpPr>
-          <p:cNvPr id="2" name="Title 1"/>
-          <p:cNvSpPr>
-            <a:spLocks noGrp="1"/>
-          </p:cNvSpPr>
-          <p:nvPr>
-            <p:ph type="title"/>
-          </p:nvPr>
-        </p:nvSpPr>
-        <p:spPr/>
-        <p:txBody>
-          <a:bodyPr/>
-          <a:lstStyle/>
-          <a:p>
-            <a:r>
-              <a:rPr lang="en-US" dirty="0" smtClean="0"/>
-              <a:t>URLs</a:t>
-            </a:r>
-            <a:endParaRPr lang="en-US" dirty="0"/>
-          </a:p>
-        </p:txBody>
-      </p:sp>
-      <p:pic>
-        <p:nvPicPr>
-          <p:cNvPr id="2050" name="Picture 2" descr="https://blog.quixey.com/wp-content/uploads/2015/02/whatisdeeplinking11.png"/>
-          <p:cNvPicPr>
-            <a:picLocks noGrp="1" noChangeAspect="1" noChangeArrowheads="1"/>
-          </p:cNvPicPr>
-          <p:nvPr>
-            <p:ph idx="1"/>
-          </p:nvPr>
-        </p:nvPicPr>
-        <p:blipFill>
-          <a:blip r:embed="rId2">
-            <a:extLst>
-              <a:ext uri="{28A0092B-C50C-407E-A947-70E740481C1C}">
-                <a14:useLocalDpi xmlns:a14="http://schemas.microsoft.com/office/drawing/2010/main" val="0"/>
-              </a:ext>
-            </a:extLst>
-          </a:blip>
-          <a:srcRect/>
-          <a:stretch>
-            <a:fillRect/>
-          </a:stretch>
-        </p:blipFill>
-        <p:spPr bwMode="auto">
-          <a:xfrm>
-            <a:off x="1096963" y="2985898"/>
-            <a:ext cx="10058400" cy="1743455"/>
-          </a:xfrm>
-          <a:prstGeom prst="rect">
-            <a:avLst/>
-          </a:prstGeom>
-          <a:noFill/>
-          <a:extLst>
-            <a:ext uri="{909E8E84-426E-40DD-AFC4-6F175D3DCCD1}">
-              <a14:hiddenFill xmlns:a14="http://schemas.microsoft.com/office/drawing/2010/main">
-                <a:solidFill>
-                  <a:srgbClr val="FFFFFF"/>
-                </a:solidFill>
-              </a14:hiddenFill>
-            </a:ext>
-          </a:extLst>
-        </p:spPr>
-      </p:pic>
-    </p:spTree>
-    <p:extLst>
-      <p:ext uri="{BB962C8B-B14F-4D97-AF65-F5344CB8AC3E}">
-        <p14:creationId xmlns:p14="http://schemas.microsoft.com/office/powerpoint/2010/main" val="380262174"/>
-      </p:ext>
-    </p:extLst>
-  </p:cSld>
-  <p:clrMapOvr>
-    <a:masterClrMapping/>
-  </p:clrMapOvr>
-</p:sld>
-</file>
-
 <file path=ppt/slides/slide3.xml><?xml version="1.0" encoding="utf-8"?>
 <p:sld xmlns:a="http://schemas.openxmlformats.org/drawingml/2006/main" xmlns:r="http://schemas.openxmlformats.org/officeDocument/2006/relationships" xmlns:p="http://schemas.openxmlformats.org/presentationml/2006/main">
   <p:cSld>
@@ -4879,6 +5299,13 @@
   <p:clrMapOvr>
     <a:masterClrMapping/>
   </p:clrMapOvr>
+  <p:timing>
+    <p:tnLst>
+      <p:par>
+        <p:cTn id="1" dur="indefinite" restart="never" nodeType="tmRoot"/>
+      </p:par>
+    </p:tnLst>
+  </p:timing>
 </p:sld>
 </file>
 
@@ -5171,6 +5598,13 @@
   <p:clrMapOvr>
     <a:masterClrMapping/>
   </p:clrMapOvr>
+  <p:timing>
+    <p:tnLst>
+      <p:par>
+        <p:cTn id="1" dur="indefinite" restart="never" nodeType="tmRoot"/>
+      </p:par>
+    </p:tnLst>
+  </p:timing>
 </p:sld>
 </file>
 
@@ -5267,6 +5701,13 @@
   <p:clrMapOvr>
     <a:masterClrMapping/>
   </p:clrMapOvr>
+  <p:timing>
+    <p:tnLst>
+      <p:par>
+        <p:cTn id="1" dur="indefinite" restart="never" nodeType="tmRoot"/>
+      </p:par>
+    </p:tnLst>
+  </p:timing>
 </p:sld>
 </file>
 
@@ -5363,6 +5804,13 @@
   <p:clrMapOvr>
     <a:masterClrMapping/>
   </p:clrMapOvr>
+  <p:timing>
+    <p:tnLst>
+      <p:par>
+        <p:cTn id="1" dur="indefinite" restart="never" nodeType="tmRoot"/>
+      </p:par>
+    </p:tnLst>
+  </p:timing>
 </p:sld>
 </file>
 
@@ -5459,6 +5907,13 @@
   <p:clrMapOvr>
     <a:masterClrMapping/>
   </p:clrMapOvr>
+  <p:timing>
+    <p:tnLst>
+      <p:par>
+        <p:cTn id="1" dur="indefinite" restart="never" nodeType="tmRoot"/>
+      </p:par>
+    </p:tnLst>
+  </p:timing>
 </p:sld>
 </file>
 

--- a/Web/AngleBrackets.pptx
+++ b/Web/AngleBrackets.pptx
@@ -18,16 +18,15 @@
     <p:sldId id="272" r:id="rId12"/>
     <p:sldId id="270" r:id="rId13"/>
     <p:sldId id="275" r:id="rId14"/>
-    <p:sldId id="271" r:id="rId15"/>
-    <p:sldId id="276" r:id="rId16"/>
-    <p:sldId id="277" r:id="rId17"/>
-    <p:sldId id="278" r:id="rId18"/>
-    <p:sldId id="279" r:id="rId19"/>
-    <p:sldId id="280" r:id="rId20"/>
-    <p:sldId id="274" r:id="rId21"/>
-    <p:sldId id="259" r:id="rId22"/>
+    <p:sldId id="259" r:id="rId15"/>
+    <p:sldId id="271" r:id="rId16"/>
+    <p:sldId id="276" r:id="rId17"/>
+    <p:sldId id="277" r:id="rId18"/>
+    <p:sldId id="278" r:id="rId19"/>
+    <p:sldId id="279" r:id="rId20"/>
+    <p:sldId id="280" r:id="rId21"/>
   </p:sldIdLst>
-  <p:sldSz cx="12192000" cy="6858000"/>
+  <p:sldSz cx="9144000" cy="6858000" type="screen4x3"/>
   <p:notesSz cx="6858000" cy="9144000"/>
   <p:defaultTextStyle>
     <a:defPPr>
@@ -157,8 +156,8 @@
         </p:nvSpPr>
         <p:spPr>
           <a:xfrm>
-            <a:off x="3175" y="6400800"/>
-            <a:ext cx="12188825" cy="457200"/>
+            <a:off x="2382" y="6400800"/>
+            <a:ext cx="9141619" cy="457200"/>
           </a:xfrm>
           <a:prstGeom prst="rect">
             <a:avLst/>
@@ -195,8 +194,8 @@
         </p:nvSpPr>
         <p:spPr>
           <a:xfrm>
-            <a:off x="15" y="6334316"/>
-            <a:ext cx="12188825" cy="64008"/>
+            <a:off x="12" y="6334316"/>
+            <a:ext cx="9141619" cy="64008"/>
           </a:xfrm>
           <a:prstGeom prst="rect">
             <a:avLst/>
@@ -237,8 +236,8 @@
         </p:nvSpPr>
         <p:spPr>
           <a:xfrm>
-            <a:off x="1097280" y="758952"/>
-            <a:ext cx="10058400" cy="3566160"/>
+            <a:off x="822960" y="758952"/>
+            <a:ext cx="7543800" cy="3566160"/>
           </a:xfrm>
         </p:spPr>
         <p:txBody>
@@ -281,8 +280,8 @@
         </p:nvSpPr>
         <p:spPr>
           <a:xfrm>
-            <a:off x="1100051" y="4455620"/>
-            <a:ext cx="10058400" cy="1143000"/>
+            <a:off x="825038" y="4455620"/>
+            <a:ext cx="7543800" cy="1143000"/>
           </a:xfrm>
         </p:spPr>
         <p:txBody>
@@ -358,7 +357,7 @@
           <a:p>
             <a:fld id="{4BDF68E2-58F2-4D09-BE8B-E3BD06533059}" type="datetimeFigureOut">
               <a:rPr lang="en-US" dirty="0"/>
-              <a:t>8/2/2015</a:t>
+              <a:t>8/4/2015</a:t>
             </a:fld>
             <a:endParaRPr lang="en-US" dirty="0"/>
           </a:p>
@@ -414,8 +413,8 @@
         </p:nvCxnSpPr>
         <p:spPr>
           <a:xfrm>
-            <a:off x="1207658" y="4343400"/>
-            <a:ext cx="9875520" cy="0"/>
+            <a:off x="905744" y="4343400"/>
+            <a:ext cx="7406640" cy="0"/>
           </a:xfrm>
           <a:prstGeom prst="line">
             <a:avLst/>
@@ -561,7 +560,7 @@
           <a:p>
             <a:fld id="{2E2D6473-DF6D-4702-B328-E0DD40540A4E}" type="datetimeFigureOut">
               <a:rPr lang="en-US" dirty="0"/>
-              <a:t>8/2/2015</a:t>
+              <a:t>8/4/2015</a:t>
             </a:fld>
             <a:endParaRPr lang="en-US" dirty="0"/>
           </a:p>
@@ -642,8 +641,8 @@
         </p:nvSpPr>
         <p:spPr>
           <a:xfrm>
-            <a:off x="3175" y="6400800"/>
-            <a:ext cx="12188825" cy="457200"/>
+            <a:off x="2382" y="6400800"/>
+            <a:ext cx="9141619" cy="457200"/>
           </a:xfrm>
           <a:prstGeom prst="rect">
             <a:avLst/>
@@ -680,8 +679,8 @@
         </p:nvSpPr>
         <p:spPr>
           <a:xfrm>
-            <a:off x="15" y="6334316"/>
-            <a:ext cx="12188825" cy="64008"/>
+            <a:off x="12" y="6334316"/>
+            <a:ext cx="9141619" cy="64008"/>
           </a:xfrm>
           <a:prstGeom prst="rect">
             <a:avLst/>
@@ -722,8 +721,8 @@
         </p:nvSpPr>
         <p:spPr>
           <a:xfrm>
-            <a:off x="8724900" y="414778"/>
-            <a:ext cx="2628900" cy="5757421"/>
+            <a:off x="6543675" y="414779"/>
+            <a:ext cx="1971675" cy="5757421"/>
           </a:xfrm>
         </p:spPr>
         <p:txBody>
@@ -750,8 +749,8 @@
         </p:nvSpPr>
         <p:spPr>
           <a:xfrm>
-            <a:off x="838200" y="414778"/>
-            <a:ext cx="7734300" cy="5757422"/>
+            <a:off x="628650" y="414778"/>
+            <a:ext cx="5800725" cy="5757422"/>
           </a:xfrm>
         </p:spPr>
         <p:txBody>
@@ -812,7 +811,7 @@
           <a:p>
             <a:fld id="{E26F7E3A-B166-407D-9866-32884E7D5B37}" type="datetimeFigureOut">
               <a:rPr lang="en-US" dirty="0"/>
-              <a:t>8/2/2015</a:t>
+              <a:t>8/4/2015</a:t>
             </a:fld>
             <a:endParaRPr lang="en-US" dirty="0"/>
           </a:p>
@@ -981,7 +980,7 @@
           <a:p>
             <a:fld id="{528FC5F6-F338-4AE4-BB23-26385BCFC423}" type="datetimeFigureOut">
               <a:rPr lang="en-US" dirty="0"/>
-              <a:t>8/2/2015</a:t>
+              <a:t>8/4/2015</a:t>
             </a:fld>
             <a:endParaRPr lang="en-US" dirty="0"/>
           </a:p>
@@ -1070,8 +1069,8 @@
         </p:nvSpPr>
         <p:spPr>
           <a:xfrm>
-            <a:off x="3175" y="6400800"/>
-            <a:ext cx="12188825" cy="457200"/>
+            <a:off x="2382" y="6400800"/>
+            <a:ext cx="9141619" cy="457200"/>
           </a:xfrm>
           <a:prstGeom prst="rect">
             <a:avLst/>
@@ -1108,8 +1107,8 @@
         </p:nvSpPr>
         <p:spPr>
           <a:xfrm>
-            <a:off x="15" y="6334316"/>
-            <a:ext cx="12188825" cy="64008"/>
+            <a:off x="12" y="6334316"/>
+            <a:ext cx="9141619" cy="64008"/>
           </a:xfrm>
           <a:prstGeom prst="rect">
             <a:avLst/>
@@ -1150,8 +1149,8 @@
         </p:nvSpPr>
         <p:spPr>
           <a:xfrm>
-            <a:off x="1097280" y="758952"/>
-            <a:ext cx="10058400" cy="3566160"/>
+            <a:off x="822960" y="758952"/>
+            <a:ext cx="7543800" cy="3566160"/>
           </a:xfrm>
         </p:spPr>
         <p:txBody>
@@ -1194,8 +1193,8 @@
         </p:nvSpPr>
         <p:spPr>
           <a:xfrm>
-            <a:off x="1097280" y="4453128"/>
-            <a:ext cx="10058400" cy="1143000"/>
+            <a:off x="822960" y="4453128"/>
+            <a:ext cx="7543800" cy="1143000"/>
           </a:xfrm>
         </p:spPr>
         <p:txBody>
@@ -1319,7 +1318,7 @@
           <a:p>
             <a:fld id="{20EBB0C4-6273-4C6E-B9BD-2EDC30F1CD52}" type="datetimeFigureOut">
               <a:rPr lang="en-US" dirty="0"/>
-              <a:t>8/2/2015</a:t>
+              <a:t>8/4/2015</a:t>
             </a:fld>
             <a:endParaRPr lang="en-US" dirty="0"/>
           </a:p>
@@ -1375,8 +1374,8 @@
         </p:nvCxnSpPr>
         <p:spPr>
           <a:xfrm>
-            <a:off x="1207658" y="4343400"/>
-            <a:ext cx="9875520" cy="0"/>
+            <a:off x="905744" y="4343400"/>
+            <a:ext cx="7406640" cy="0"/>
           </a:xfrm>
           <a:prstGeom prst="line">
             <a:avLst/>
@@ -1442,8 +1441,8 @@
         </p:nvSpPr>
         <p:spPr>
           <a:xfrm>
-            <a:off x="1097280" y="286603"/>
-            <a:ext cx="10058400" cy="1450757"/>
+            <a:off x="822960" y="286604"/>
+            <a:ext cx="7543800" cy="1450757"/>
           </a:xfrm>
         </p:spPr>
         <p:txBody>
@@ -1470,8 +1469,8 @@
         </p:nvSpPr>
         <p:spPr>
           <a:xfrm>
-            <a:off x="1097279" y="1845734"/>
-            <a:ext cx="4937760" cy="4023360"/>
+            <a:off x="822959" y="1845734"/>
+            <a:ext cx="3703320" cy="4023360"/>
           </a:xfrm>
         </p:spPr>
         <p:txBody>
@@ -1527,8 +1526,8 @@
         </p:nvSpPr>
         <p:spPr>
           <a:xfrm>
-            <a:off x="6217920" y="1845735"/>
-            <a:ext cx="4937760" cy="4023360"/>
+            <a:off x="4663440" y="1845735"/>
+            <a:ext cx="3703320" cy="4023360"/>
           </a:xfrm>
         </p:spPr>
         <p:txBody>
@@ -1589,7 +1588,7 @@
           <a:p>
             <a:fld id="{19AB4D41-86C1-4908-B66A-0B50CEB3BF29}" type="datetimeFigureOut">
               <a:rPr lang="en-US" dirty="0"/>
-              <a:t>8/2/2015</a:t>
+              <a:t>8/4/2015</a:t>
             </a:fld>
             <a:endParaRPr lang="en-US" dirty="0"/>
           </a:p>
@@ -1674,8 +1673,8 @@
         </p:nvSpPr>
         <p:spPr>
           <a:xfrm>
-            <a:off x="1097280" y="286603"/>
-            <a:ext cx="10058400" cy="1450757"/>
+            <a:off x="822960" y="286604"/>
+            <a:ext cx="7543800" cy="1450757"/>
           </a:xfrm>
         </p:spPr>
         <p:txBody>
@@ -1702,8 +1701,8 @@
         </p:nvSpPr>
         <p:spPr>
           <a:xfrm>
-            <a:off x="1097280" y="1846052"/>
-            <a:ext cx="4937760" cy="736282"/>
+            <a:off x="822960" y="1846052"/>
+            <a:ext cx="3703320" cy="736282"/>
           </a:xfrm>
         </p:spPr>
         <p:txBody>
@@ -1773,8 +1772,8 @@
         </p:nvSpPr>
         <p:spPr>
           <a:xfrm>
-            <a:off x="1097280" y="2582334"/>
-            <a:ext cx="4937760" cy="3378200"/>
+            <a:off x="822960" y="2582334"/>
+            <a:ext cx="3703320" cy="3378200"/>
           </a:xfrm>
         </p:spPr>
         <p:txBody>
@@ -1830,8 +1829,8 @@
         </p:nvSpPr>
         <p:spPr>
           <a:xfrm>
-            <a:off x="6217920" y="1846052"/>
-            <a:ext cx="4937760" cy="736282"/>
+            <a:off x="4663440" y="1846052"/>
+            <a:ext cx="3703320" cy="736282"/>
           </a:xfrm>
         </p:spPr>
         <p:txBody>
@@ -1901,8 +1900,8 @@
         </p:nvSpPr>
         <p:spPr>
           <a:xfrm>
-            <a:off x="6217920" y="2582334"/>
-            <a:ext cx="4937760" cy="3378200"/>
+            <a:off x="4663440" y="2582334"/>
+            <a:ext cx="3703320" cy="3378200"/>
           </a:xfrm>
         </p:spPr>
         <p:txBody>
@@ -1963,7 +1962,7 @@
           <a:p>
             <a:fld id="{E6426E2C-56C1-4E0D-A793-0088A7FDD37E}" type="datetimeFigureOut">
               <a:rPr lang="en-US" dirty="0"/>
-              <a:t>8/2/2015</a:t>
+              <a:t>8/4/2015</a:t>
             </a:fld>
             <a:endParaRPr lang="en-US" dirty="0"/>
           </a:p>
@@ -2076,7 +2075,7 @@
           <a:p>
             <a:fld id="{C8C39B41-D8B5-4052-B551-9B5525EAA8B6}" type="datetimeFigureOut">
               <a:rPr lang="en-US" dirty="0"/>
-              <a:t>8/2/2015</a:t>
+              <a:t>8/4/2015</a:t>
             </a:fld>
             <a:endParaRPr lang="en-US" dirty="0"/>
           </a:p>
@@ -2157,8 +2156,8 @@
         </p:nvSpPr>
         <p:spPr>
           <a:xfrm>
-            <a:off x="3175" y="6400800"/>
-            <a:ext cx="12188825" cy="457200"/>
+            <a:off x="2382" y="6400800"/>
+            <a:ext cx="9141619" cy="457200"/>
           </a:xfrm>
           <a:prstGeom prst="rect">
             <a:avLst/>
@@ -2195,8 +2194,8 @@
         </p:nvSpPr>
         <p:spPr>
           <a:xfrm>
-            <a:off x="15" y="6334316"/>
-            <a:ext cx="12188825" cy="64008"/>
+            <a:off x="12" y="6334316"/>
+            <a:ext cx="9141619" cy="64008"/>
           </a:xfrm>
           <a:prstGeom prst="rect">
             <a:avLst/>
@@ -2242,7 +2241,7 @@
           <a:p>
             <a:fld id="{4D94136C-8742-45B2-AF27-D93DF72833A9}" type="datetimeFigureOut">
               <a:rPr lang="en-US" dirty="0"/>
-              <a:t>8/2/2015</a:t>
+              <a:t>8/4/2015</a:t>
             </a:fld>
             <a:endParaRPr lang="en-US" dirty="0"/>
           </a:p>
@@ -2332,8 +2331,8 @@
         </p:nvSpPr>
         <p:spPr>
           <a:xfrm>
-            <a:off x="16" y="0"/>
-            <a:ext cx="4050791" cy="6858000"/>
+            <a:off x="13" y="0"/>
+            <a:ext cx="3038093" cy="6858000"/>
           </a:xfrm>
           <a:prstGeom prst="rect">
             <a:avLst/>
@@ -2370,8 +2369,8 @@
         </p:nvSpPr>
         <p:spPr>
           <a:xfrm>
-            <a:off x="4040071" y="0"/>
-            <a:ext cx="64008" cy="6858000"/>
+            <a:off x="3030053" y="0"/>
+            <a:ext cx="48006" cy="6858000"/>
           </a:xfrm>
           <a:prstGeom prst="rect">
             <a:avLst/>
@@ -2412,8 +2411,8 @@
         </p:nvSpPr>
         <p:spPr>
           <a:xfrm>
-            <a:off x="457200" y="594359"/>
-            <a:ext cx="3200400" cy="2286000"/>
+            <a:off x="342900" y="594359"/>
+            <a:ext cx="2400300" cy="2286000"/>
           </a:xfrm>
         </p:spPr>
         <p:txBody>
@@ -2450,8 +2449,8 @@
         </p:nvSpPr>
         <p:spPr>
           <a:xfrm>
-            <a:off x="4800600" y="731520"/>
-            <a:ext cx="6492240" cy="5257800"/>
+            <a:off x="3600450" y="731520"/>
+            <a:ext cx="4869180" cy="5257800"/>
           </a:xfrm>
         </p:spPr>
         <p:txBody>
@@ -2507,8 +2506,8 @@
         </p:nvSpPr>
         <p:spPr>
           <a:xfrm>
-            <a:off x="457200" y="2926080"/>
-            <a:ext cx="3200400" cy="3379124"/>
+            <a:off x="342900" y="2926080"/>
+            <a:ext cx="2400300" cy="3379124"/>
           </a:xfrm>
         </p:spPr>
         <p:txBody>
@@ -2578,8 +2577,8 @@
         </p:nvSpPr>
         <p:spPr>
           <a:xfrm>
-            <a:off x="465512" y="6459785"/>
-            <a:ext cx="2618510" cy="365125"/>
+            <a:off x="349134" y="6459786"/>
+            <a:ext cx="1963883" cy="365125"/>
           </a:xfrm>
         </p:spPr>
         <p:txBody>
@@ -2592,7 +2591,7 @@
           <a:p>
             <a:fld id="{32ABBEA6-7C60-4B02-AE87-00D78D8422AF}" type="datetimeFigureOut">
               <a:rPr lang="en-US" dirty="0"/>
-              <a:t>8/2/2015</a:t>
+              <a:t>8/4/2015</a:t>
             </a:fld>
             <a:endParaRPr lang="en-US" dirty="0"/>
           </a:p>
@@ -2610,8 +2609,8 @@
         </p:nvSpPr>
         <p:spPr>
           <a:xfrm>
-            <a:off x="4800600" y="6459785"/>
-            <a:ext cx="4648200" cy="365125"/>
+            <a:off x="3600450" y="6459786"/>
+            <a:ext cx="3486150" cy="365125"/>
           </a:xfrm>
         </p:spPr>
         <p:txBody>
@@ -2696,7 +2695,7 @@
         <p:spPr>
           <a:xfrm>
             <a:off x="0" y="4953000"/>
-            <a:ext cx="12188825" cy="1905000"/>
+            <a:ext cx="9141619" cy="1905000"/>
           </a:xfrm>
           <a:prstGeom prst="rect">
             <a:avLst/>
@@ -2733,8 +2732,8 @@
         </p:nvSpPr>
         <p:spPr>
           <a:xfrm>
-            <a:off x="15" y="4915076"/>
-            <a:ext cx="12188825" cy="64008"/>
+            <a:off x="12" y="4915076"/>
+            <a:ext cx="9141619" cy="64008"/>
           </a:xfrm>
           <a:prstGeom prst="rect">
             <a:avLst/>
@@ -2775,8 +2774,8 @@
         </p:nvSpPr>
         <p:spPr>
           <a:xfrm>
-            <a:off x="1097280" y="5074920"/>
-            <a:ext cx="10113264" cy="822960"/>
+            <a:off x="822960" y="5074920"/>
+            <a:ext cx="7584948" cy="822960"/>
           </a:xfrm>
         </p:spPr>
         <p:txBody>
@@ -2813,8 +2812,8 @@
         </p:nvSpPr>
         <p:spPr>
           <a:xfrm>
-            <a:off x="15" y="0"/>
-            <a:ext cx="12191985" cy="4915076"/>
+            <a:off x="12" y="0"/>
+            <a:ext cx="9143989" cy="4915076"/>
           </a:xfrm>
           <a:blipFill>
             <a:blip r:embed="rId2"/>
@@ -2888,8 +2887,8 @@
         </p:nvSpPr>
         <p:spPr>
           <a:xfrm>
-            <a:off x="1097280" y="5907023"/>
-            <a:ext cx="10113264" cy="594360"/>
+            <a:off x="822960" y="5907023"/>
+            <a:ext cx="7584948" cy="594360"/>
           </a:xfrm>
         </p:spPr>
         <p:txBody>
@@ -2970,7 +2969,7 @@
           <a:p>
             <a:fld id="{C9CAD897-D46E-4AD2-BD9B-49DD3E640873}" type="datetimeFigureOut">
               <a:rPr lang="en-US" dirty="0"/>
-              <a:t>8/2/2015</a:t>
+              <a:t>8/4/2015</a:t>
             </a:fld>
             <a:endParaRPr lang="en-US" dirty="0"/>
           </a:p>
@@ -3057,7 +3056,7 @@
         <p:spPr>
           <a:xfrm>
             <a:off x="1" y="6400800"/>
-            <a:ext cx="12192000" cy="457200"/>
+            <a:ext cx="9144000" cy="457200"/>
           </a:xfrm>
           <a:prstGeom prst="rect">
             <a:avLst/>
@@ -3095,7 +3094,7 @@
         <p:spPr>
           <a:xfrm>
             <a:off x="0" y="6334316"/>
-            <a:ext cx="12192001" cy="65998"/>
+            <a:ext cx="9144001" cy="65998"/>
           </a:xfrm>
           <a:prstGeom prst="rect">
             <a:avLst/>
@@ -3136,8 +3135,8 @@
         </p:nvSpPr>
         <p:spPr>
           <a:xfrm>
-            <a:off x="1097280" y="286603"/>
-            <a:ext cx="10058400" cy="1450757"/>
+            <a:off x="822960" y="286604"/>
+            <a:ext cx="7543800" cy="1450757"/>
           </a:xfrm>
           <a:prstGeom prst="rect">
             <a:avLst/>
@@ -3169,8 +3168,8 @@
         </p:nvSpPr>
         <p:spPr>
           <a:xfrm>
-            <a:off x="1097280" y="1845734"/>
-            <a:ext cx="10058400" cy="4023360"/>
+            <a:off x="822960" y="1845734"/>
+            <a:ext cx="7543800" cy="4023360"/>
           </a:xfrm>
           <a:prstGeom prst="rect">
             <a:avLst/>
@@ -3231,8 +3230,8 @@
         </p:nvSpPr>
         <p:spPr>
           <a:xfrm>
-            <a:off x="1097280" y="6459785"/>
-            <a:ext cx="2472271" cy="365125"/>
+            <a:off x="822961" y="6459786"/>
+            <a:ext cx="1854203" cy="365125"/>
           </a:xfrm>
           <a:prstGeom prst="rect">
             <a:avLst/>
@@ -3252,7 +3251,7 @@
           <a:p>
             <a:fld id="{98624D31-43A5-475A-80CF-332C9F6DCF35}" type="datetimeFigureOut">
               <a:rPr lang="en-US" dirty="0"/>
-              <a:t>8/2/2015</a:t>
+              <a:t>8/4/2015</a:t>
             </a:fld>
             <a:endParaRPr lang="en-US" dirty="0"/>
           </a:p>
@@ -3270,8 +3269,8 @@
         </p:nvSpPr>
         <p:spPr>
           <a:xfrm>
-            <a:off x="3686185" y="6459785"/>
-            <a:ext cx="4822804" cy="365125"/>
+            <a:off x="2764639" y="6459786"/>
+            <a:ext cx="3617103" cy="365125"/>
           </a:xfrm>
           <a:prstGeom prst="rect">
             <a:avLst/>
@@ -3305,8 +3304,8 @@
         </p:nvSpPr>
         <p:spPr>
           <a:xfrm>
-            <a:off x="9900458" y="6459785"/>
-            <a:ext cx="1312025" cy="365125"/>
+            <a:off x="7425344" y="6459786"/>
+            <a:ext cx="984019" cy="365125"/>
           </a:xfrm>
           <a:prstGeom prst="rect">
             <a:avLst/>
@@ -3341,8 +3340,8 @@
         </p:nvCxnSpPr>
         <p:spPr>
           <a:xfrm>
-            <a:off x="1193532" y="1737845"/>
-            <a:ext cx="9966960" cy="0"/>
+            <a:off x="895149" y="1737845"/>
+            <a:ext cx="7475220" cy="0"/>
           </a:xfrm>
           <a:prstGeom prst="line">
             <a:avLst/>
@@ -3785,14 +3784,16 @@
         </p:nvSpPr>
         <p:spPr/>
         <p:txBody>
-          <a:bodyPr/>
-          <a:lstStyle/>
-          <a:p>
-            <a:r>
-              <a:rPr lang="en-US" dirty="0" smtClean="0"/>
+          <a:bodyPr>
+            <a:normAutofit/>
+          </a:bodyPr>
+          <a:lstStyle/>
+          <a:p>
+            <a:r>
+              <a:rPr lang="en-US" sz="7200" dirty="0" smtClean="0"/>
               <a:t>&lt;Angle&gt;&lt;Brackets&gt;</a:t>
             </a:r>
-            <a:endParaRPr lang="en-US" dirty="0"/>
+            <a:endParaRPr lang="en-US" sz="7200" dirty="0"/>
           </a:p>
         </p:txBody>
       </p:sp>
@@ -3845,7 +3846,9 @@
         </p:nvSpPr>
         <p:spPr/>
         <p:txBody>
-          <a:bodyPr/>
+          <a:bodyPr>
+            <a:normAutofit fontScale="90000"/>
+          </a:bodyPr>
           <a:lstStyle/>
           <a:p>
             <a:r>
@@ -3874,15 +3877,14 @@
               </a:ext>
             </a:extLst>
           </a:blip>
-          <a:srcRect/>
           <a:stretch>
             <a:fillRect/>
           </a:stretch>
         </p:blipFill>
         <p:spPr bwMode="auto">
           <a:xfrm>
-            <a:off x="1268414" y="1846263"/>
-            <a:ext cx="9887266" cy="4440237"/>
+            <a:off x="822325" y="1971675"/>
+            <a:ext cx="7543800" cy="3771900"/>
           </a:xfrm>
           <a:prstGeom prst="rect">
             <a:avLst/>
@@ -3971,91 +3973,91 @@
         </p:nvSpPr>
         <p:spPr>
           <a:xfrm>
-            <a:off x="163286" y="1845734"/>
-            <a:ext cx="12028714" cy="4023360"/>
+            <a:off x="822960" y="1845734"/>
+            <a:ext cx="7543800" cy="4023360"/>
           </a:xfrm>
         </p:spPr>
         <p:txBody>
           <a:bodyPr>
-            <a:normAutofit fontScale="92500" lnSpcReduction="10000"/>
+            <a:noAutofit/>
           </a:bodyPr>
           <a:lstStyle/>
           <a:p>
             <a:r>
-              <a:rPr lang="en-US" dirty="0"/>
+              <a:rPr lang="en-US" sz="1200" dirty="0"/>
               <a:t>&lt;!DOCTYPE HTML PUBLIC "-//W3C//DTD HTML 4.01//</a:t>
             </a:r>
             <a:r>
-              <a:rPr lang="en-US" dirty="0" smtClean="0"/>
+              <a:rPr lang="en-US" sz="1200" dirty="0" smtClean="0"/>
               <a:t>EN" "http://www.w3.org/TR/html4/strict.dtd"&gt;</a:t>
             </a:r>
           </a:p>
           <a:p>
-            <a:endParaRPr lang="en-US" dirty="0"/>
-          </a:p>
-          <a:p>
-            <a:r>
-              <a:rPr lang="en-US" dirty="0"/>
+            <a:endParaRPr lang="en-US" sz="1200" dirty="0"/>
+          </a:p>
+          <a:p>
+            <a:r>
+              <a:rPr lang="en-US" sz="1200" dirty="0"/>
               <a:t>&lt;!DOCTYPE HTML PUBLIC "-//W3C//DTD HTML 4.01 Transitional//</a:t>
             </a:r>
             <a:r>
-              <a:rPr lang="en-US" dirty="0" smtClean="0"/>
+              <a:rPr lang="en-US" sz="1200" dirty="0" smtClean="0"/>
               <a:t>EN" "</a:t>
             </a:r>
             <a:r>
-              <a:rPr lang="en-US" dirty="0"/>
+              <a:rPr lang="en-US" sz="1200" dirty="0"/>
               <a:t>http://www.w3.org/TR/html4/loose.dtd</a:t>
             </a:r>
             <a:r>
-              <a:rPr lang="en-US" dirty="0" smtClean="0"/>
+              <a:rPr lang="en-US" sz="1200" dirty="0" smtClean="0"/>
               <a:t>"&gt;</a:t>
             </a:r>
           </a:p>
           <a:p>
-            <a:endParaRPr lang="en-US" dirty="0"/>
-          </a:p>
-          <a:p>
-            <a:r>
-              <a:rPr lang="en-US" dirty="0"/>
+            <a:endParaRPr lang="en-US" sz="1200" dirty="0"/>
+          </a:p>
+          <a:p>
+            <a:r>
+              <a:rPr lang="en-US" sz="1200" dirty="0"/>
               <a:t>&lt;!DOCTYPE HTML PUBLIC "-//W3C//DTD HTML 4.01 Frameset//</a:t>
             </a:r>
             <a:r>
-              <a:rPr lang="en-US" dirty="0" smtClean="0"/>
+              <a:rPr lang="en-US" sz="1200" dirty="0" smtClean="0"/>
               <a:t>EN" "</a:t>
             </a:r>
             <a:r>
-              <a:rPr lang="en-US" dirty="0"/>
+              <a:rPr lang="en-US" sz="1200" dirty="0"/>
               <a:t>http://www.w3.org/TR/html4/frameset.dtd</a:t>
             </a:r>
             <a:r>
-              <a:rPr lang="en-US" dirty="0" smtClean="0"/>
+              <a:rPr lang="en-US" sz="1200" dirty="0" smtClean="0"/>
               <a:t>"&gt;</a:t>
             </a:r>
           </a:p>
           <a:p>
-            <a:endParaRPr lang="en-US" dirty="0"/>
-          </a:p>
-          <a:p>
-            <a:r>
-              <a:rPr lang="en-US" dirty="0"/>
+            <a:endParaRPr lang="en-US" sz="1200" dirty="0"/>
+          </a:p>
+          <a:p>
+            <a:r>
+              <a:rPr lang="en-US" sz="1200" dirty="0"/>
               <a:t> &lt;?xml version="1.0" encoding="UTF-8"?&gt;</a:t>
             </a:r>
           </a:p>
           <a:p>
             <a:r>
-              <a:rPr lang="en-US" dirty="0"/>
+              <a:rPr lang="en-US" sz="1200" dirty="0"/>
               <a:t> &lt;!DOCTYPE html</a:t>
             </a:r>
           </a:p>
           <a:p>
             <a:r>
-              <a:rPr lang="en-US" dirty="0"/>
+              <a:rPr lang="en-US" sz="1200" dirty="0"/>
               <a:t>     PUBLIC "-//W3C//DTD XHTML 1.0 Transitional//EN"</a:t>
             </a:r>
           </a:p>
           <a:p>
             <a:r>
-              <a:rPr lang="en-US" dirty="0"/>
+              <a:rPr lang="en-US" sz="1200" dirty="0"/>
               <a:t>     "http://www.w3.org/TR/xhtml1/DTD/xhtml1-transitional.dtd"&gt;</a:t>
             </a:r>
           </a:p>
@@ -4139,8 +4141,8 @@
         </p:blipFill>
         <p:spPr>
           <a:xfrm>
-            <a:off x="2155369" y="1811062"/>
-            <a:ext cx="8017328" cy="4462475"/>
+            <a:off x="822960" y="1892995"/>
+            <a:ext cx="7543800" cy="4198908"/>
           </a:xfrm>
           <a:prstGeom prst="rect">
             <a:avLst/>
@@ -4225,8 +4227,8 @@
         </p:blipFill>
         <p:spPr>
           <a:xfrm>
-            <a:off x="1538151" y="1882683"/>
-            <a:ext cx="9157063" cy="4380788"/>
+            <a:off x="822960" y="1882683"/>
+            <a:ext cx="8177605" cy="3912210"/>
           </a:xfrm>
           <a:prstGeom prst="rect">
             <a:avLst/>
@@ -4272,9 +4274,9 @@
       </p:grpSpPr>
       <p:pic>
         <p:nvPicPr>
-          <p:cNvPr id="6146" name="Picture 2" descr="http://www.tattooset.com/images/tattoo/2012/05/10/2829-head-body-tattoo-html_large.jpg"/>
+          <p:cNvPr id="3" name="Picture 2"/>
           <p:cNvPicPr>
-            <a:picLocks noChangeAspect="1" noChangeArrowheads="1"/>
+            <a:picLocks noChangeAspect="1"/>
           </p:cNvPicPr>
           <p:nvPr/>
         </p:nvPicPr>
@@ -4286,35 +4288,24 @@
               </a:ext>
             </a:extLst>
           </a:blip>
-          <a:srcRect/>
           <a:stretch>
             <a:fillRect/>
           </a:stretch>
         </p:blipFill>
-        <p:spPr bwMode="auto">
-          <a:xfrm>
-            <a:off x="3600904" y="0"/>
-            <a:ext cx="4726668" cy="6296883"/>
+        <p:spPr>
+          <a:xfrm>
+            <a:off x="-623455" y="0"/>
+            <a:ext cx="10407921" cy="6869228"/>
           </a:xfrm>
           <a:prstGeom prst="rect">
             <a:avLst/>
           </a:prstGeom>
-          <a:noFill/>
-          <a:extLst>
-            <a:ext uri="{909E8E84-426E-40DD-AFC4-6F175D3DCCD1}">
-              <a14:hiddenFill xmlns:a14="http://schemas.microsoft.com/office/drawing/2010/main">
-                <a:solidFill>
-                  <a:srgbClr val="FFFFFF"/>
-                </a:solidFill>
-              </a14:hiddenFill>
-            </a:ext>
-          </a:extLst>
         </p:spPr>
       </p:pic>
     </p:spTree>
     <p:extLst>
       <p:ext uri="{BB962C8B-B14F-4D97-AF65-F5344CB8AC3E}">
-        <p14:creationId xmlns:p14="http://schemas.microsoft.com/office/powerpoint/2010/main" val="1868172991"/>
+        <p14:creationId xmlns:p14="http://schemas.microsoft.com/office/powerpoint/2010/main" val="1316770286"/>
       </p:ext>
     </p:extLst>
   </p:cSld>
@@ -4348,59 +4339,51 @@
           <a:chExt cx="0" cy="0"/>
         </a:xfrm>
       </p:grpSpPr>
-      <p:sp>
-        <p:nvSpPr>
-          <p:cNvPr id="2" name="Title 1"/>
-          <p:cNvSpPr>
-            <a:spLocks noGrp="1"/>
-          </p:cNvSpPr>
-          <p:nvPr>
-            <p:ph type="title"/>
-          </p:nvPr>
-        </p:nvSpPr>
-        <p:spPr/>
-        <p:txBody>
-          <a:bodyPr/>
-          <a:lstStyle/>
-          <a:p>
-            <a:r>
-              <a:rPr lang="en-US" dirty="0" smtClean="0"/>
-              <a:t>HTML &lt;body&gt;</a:t>
-            </a:r>
-            <a:endParaRPr lang="en-US" dirty="0"/>
-          </a:p>
-        </p:txBody>
-      </p:sp>
       <p:pic>
         <p:nvPicPr>
-          <p:cNvPr id="7" name="Content Placeholder 6"/>
+          <p:cNvPr id="6146" name="Picture 2" descr="http://www.tattooset.com/images/tattoo/2012/05/10/2829-head-body-tattoo-html_large.jpg"/>
           <p:cNvPicPr>
-            <a:picLocks noGrp="1" noChangeAspect="1"/>
+            <a:picLocks noChangeAspect="1" noChangeArrowheads="1"/>
           </p:cNvPicPr>
-          <p:nvPr>
-            <p:ph idx="1"/>
-          </p:nvPr>
+          <p:nvPr/>
         </p:nvPicPr>
         <p:blipFill>
-          <a:blip r:embed="rId2"/>
+          <a:blip r:embed="rId2">
+            <a:extLst>
+              <a:ext uri="{28A0092B-C50C-407E-A947-70E740481C1C}">
+                <a14:useLocalDpi xmlns:a14="http://schemas.microsoft.com/office/drawing/2010/main" val="0"/>
+              </a:ext>
+            </a:extLst>
+          </a:blip>
+          <a:srcRect/>
           <a:stretch>
             <a:fillRect/>
           </a:stretch>
         </p:blipFill>
-        <p:spPr>
-          <a:xfrm>
-            <a:off x="1054467" y="1846263"/>
-            <a:ext cx="10101213" cy="4358594"/>
+        <p:spPr bwMode="auto">
+          <a:xfrm>
+            <a:off x="2076904" y="1"/>
+            <a:ext cx="4726668" cy="6296883"/>
           </a:xfrm>
           <a:prstGeom prst="rect">
             <a:avLst/>
           </a:prstGeom>
+          <a:noFill/>
+          <a:extLst>
+            <a:ext uri="{909E8E84-426E-40DD-AFC4-6F175D3DCCD1}">
+              <a14:hiddenFill xmlns:a14="http://schemas.microsoft.com/office/drawing/2010/main">
+                <a:solidFill>
+                  <a:srgbClr val="FFFFFF"/>
+                </a:solidFill>
+              </a14:hiddenFill>
+            </a:ext>
+          </a:extLst>
         </p:spPr>
       </p:pic>
     </p:spTree>
     <p:extLst>
       <p:ext uri="{BB962C8B-B14F-4D97-AF65-F5344CB8AC3E}">
-        <p14:creationId xmlns:p14="http://schemas.microsoft.com/office/powerpoint/2010/main" val="3110268340"/>
+        <p14:creationId xmlns:p14="http://schemas.microsoft.com/office/powerpoint/2010/main" val="1868172991"/>
       </p:ext>
     </p:extLst>
   </p:cSld>
@@ -4451,7 +4434,7 @@
           <a:p>
             <a:r>
               <a:rPr lang="en-US" dirty="0" smtClean="0"/>
-              <a:t>HTML links:  relative vs absolute</a:t>
+              <a:t>HTML &lt;body&gt;</a:t>
             </a:r>
             <a:endParaRPr lang="en-US" dirty="0"/>
           </a:p>
@@ -4459,65 +4442,24 @@
       </p:sp>
       <p:pic>
         <p:nvPicPr>
-          <p:cNvPr id="10242" name="Picture 2" descr="http://dungeonsmaster.com/wp-content/uploads/2012/10/treasue-map.jpg"/>
+          <p:cNvPr id="7" name="Content Placeholder 6"/>
           <p:cNvPicPr>
-            <a:picLocks noGrp="1" noChangeAspect="1" noChangeArrowheads="1"/>
+            <a:picLocks noGrp="1" noChangeAspect="1"/>
           </p:cNvPicPr>
           <p:nvPr>
             <p:ph idx="1"/>
           </p:nvPr>
         </p:nvPicPr>
         <p:blipFill>
-          <a:blip r:embed="rId2">
-            <a:extLst>
-              <a:ext uri="{28A0092B-C50C-407E-A947-70E740481C1C}">
-                <a14:useLocalDpi xmlns:a14="http://schemas.microsoft.com/office/drawing/2010/main" val="0"/>
-              </a:ext>
-            </a:extLst>
-          </a:blip>
-          <a:srcRect/>
-          <a:stretch>
-            <a:fillRect/>
-          </a:stretch>
-        </p:blipFill>
-        <p:spPr bwMode="auto">
-          <a:xfrm>
-            <a:off x="1097280" y="1884317"/>
-            <a:ext cx="5186294" cy="3487783"/>
-          </a:xfrm>
-          <a:prstGeom prst="rect">
-            <a:avLst/>
-          </a:prstGeom>
-          <a:noFill/>
-          <a:extLst>
-            <a:ext uri="{909E8E84-426E-40DD-AFC4-6F175D3DCCD1}">
-              <a14:hiddenFill xmlns:a14="http://schemas.microsoft.com/office/drawing/2010/main">
-                <a:solidFill>
-                  <a:srgbClr val="FFFFFF"/>
-                </a:solidFill>
-              </a14:hiddenFill>
-            </a:ext>
-          </a:extLst>
-        </p:spPr>
-      </p:pic>
-      <p:pic>
-        <p:nvPicPr>
-          <p:cNvPr id="4" name="Picture 3"/>
-          <p:cNvPicPr>
-            <a:picLocks noChangeAspect="1"/>
-          </p:cNvPicPr>
-          <p:nvPr/>
-        </p:nvPicPr>
-        <p:blipFill>
-          <a:blip r:embed="rId3"/>
+          <a:blip r:embed="rId2"/>
           <a:stretch>
             <a:fillRect/>
           </a:stretch>
         </p:blipFill>
         <p:spPr>
           <a:xfrm>
-            <a:off x="6283574" y="2044155"/>
-            <a:ext cx="5517390" cy="3299674"/>
+            <a:off x="115164" y="1846263"/>
+            <a:ext cx="8914009" cy="3846325"/>
           </a:xfrm>
           <a:prstGeom prst="rect">
             <a:avLst/>
@@ -4527,7 +4469,7 @@
     </p:spTree>
     <p:extLst>
       <p:ext uri="{BB962C8B-B14F-4D97-AF65-F5344CB8AC3E}">
-        <p14:creationId xmlns:p14="http://schemas.microsoft.com/office/powerpoint/2010/main" val="881693407"/>
+        <p14:creationId xmlns:p14="http://schemas.microsoft.com/office/powerpoint/2010/main" val="3110268340"/>
       </p:ext>
     </p:extLst>
   </p:cSld>
@@ -4578,15 +4520,7 @@
           <a:p>
             <a:r>
               <a:rPr lang="en-US" dirty="0" smtClean="0"/>
-              <a:t>HTML &lt;</a:t>
-            </a:r>
-            <a:r>
-              <a:rPr lang="en-US" dirty="0" err="1" smtClean="0"/>
-              <a:t>img</a:t>
-            </a:r>
-            <a:r>
-              <a:rPr lang="en-US" dirty="0" smtClean="0"/>
-              <a:t>&gt; element</a:t>
+              <a:t>HTML links:  relative vs absolute</a:t>
             </a:r>
             <a:endParaRPr lang="en-US" dirty="0"/>
           </a:p>
@@ -4594,7 +4528,7 @@
       </p:sp>
       <p:pic>
         <p:nvPicPr>
-          <p:cNvPr id="4" name="Picture 2" descr="http://www.ntu.edu.sg/home/ehchua/programming/webprogramming/images/HTTP.png"/>
+          <p:cNvPr id="10242" name="Picture 2" descr="http://dungeonsmaster.com/wp-content/uploads/2012/10/treasue-map.jpg"/>
           <p:cNvPicPr>
             <a:picLocks noGrp="1" noChangeAspect="1" noChangeArrowheads="1"/>
           </p:cNvPicPr>
@@ -4617,8 +4551,8 @@
         </p:blipFill>
         <p:spPr bwMode="auto">
           <a:xfrm>
-            <a:off x="1097280" y="1737360"/>
-            <a:ext cx="5311600" cy="1821338"/>
+            <a:off x="76302" y="1884319"/>
+            <a:ext cx="4683271" cy="3149500"/>
           </a:xfrm>
           <a:prstGeom prst="rect">
             <a:avLst/>
@@ -4637,7 +4571,7 @@
       </p:pic>
       <p:pic>
         <p:nvPicPr>
-          <p:cNvPr id="5" name="Picture 4"/>
+          <p:cNvPr id="4" name="Picture 3"/>
           <p:cNvPicPr>
             <a:picLocks noChangeAspect="1"/>
           </p:cNvPicPr>
@@ -4651,73 +4585,8 @@
         </p:blipFill>
         <p:spPr>
           <a:xfrm>
-            <a:off x="6358910" y="1961607"/>
-            <a:ext cx="4846740" cy="1219306"/>
-          </a:xfrm>
-          <a:prstGeom prst="rect">
-            <a:avLst/>
-          </a:prstGeom>
-        </p:spPr>
-      </p:pic>
-      <p:pic>
-        <p:nvPicPr>
-          <p:cNvPr id="6" name="Picture 2" descr="http://www.ntu.edu.sg/home/ehchua/programming/webprogramming/images/HTTP.png"/>
-          <p:cNvPicPr>
-            <a:picLocks noChangeAspect="1" noChangeArrowheads="1"/>
-          </p:cNvPicPr>
-          <p:nvPr/>
-        </p:nvPicPr>
-        <p:blipFill>
-          <a:blip r:embed="rId2">
-            <a:extLst>
-              <a:ext uri="{28A0092B-C50C-407E-A947-70E740481C1C}">
-                <a14:useLocalDpi xmlns:a14="http://schemas.microsoft.com/office/drawing/2010/main" val="0"/>
-              </a:ext>
-            </a:extLst>
-          </a:blip>
-          <a:srcRect/>
-          <a:stretch>
-            <a:fillRect/>
-          </a:stretch>
-        </p:blipFill>
-        <p:spPr bwMode="auto">
-          <a:xfrm>
-            <a:off x="1097280" y="3790149"/>
-            <a:ext cx="5311600" cy="1821338"/>
-          </a:xfrm>
-          <a:prstGeom prst="rect">
-            <a:avLst/>
-          </a:prstGeom>
-          <a:noFill/>
-          <a:extLst>
-            <a:ext uri="{909E8E84-426E-40DD-AFC4-6F175D3DCCD1}">
-              <a14:hiddenFill xmlns:a14="http://schemas.microsoft.com/office/drawing/2010/main">
-                <a:solidFill>
-                  <a:srgbClr val="FFFFFF"/>
-                </a:solidFill>
-              </a14:hiddenFill>
-            </a:ext>
-          </a:extLst>
-        </p:spPr>
-      </p:pic>
-      <p:pic>
-        <p:nvPicPr>
-          <p:cNvPr id="7" name="Picture 6"/>
-          <p:cNvPicPr>
-            <a:picLocks noChangeAspect="1"/>
-          </p:cNvPicPr>
-          <p:nvPr/>
-        </p:nvPicPr>
-        <p:blipFill>
-          <a:blip r:embed="rId4"/>
-          <a:stretch>
-            <a:fillRect/>
-          </a:stretch>
-        </p:blipFill>
-        <p:spPr>
-          <a:xfrm>
-            <a:off x="6408880" y="4022434"/>
-            <a:ext cx="2233794" cy="1356767"/>
+            <a:off x="4759574" y="2044155"/>
+            <a:ext cx="4256793" cy="2545774"/>
           </a:xfrm>
           <a:prstGeom prst="rect">
             <a:avLst/>
@@ -4727,7 +4596,7 @@
     </p:spTree>
     <p:extLst>
       <p:ext uri="{BB962C8B-B14F-4D97-AF65-F5344CB8AC3E}">
-        <p14:creationId xmlns:p14="http://schemas.microsoft.com/office/powerpoint/2010/main" val="353536520"/>
+        <p14:creationId xmlns:p14="http://schemas.microsoft.com/office/powerpoint/2010/main" val="881693407"/>
       </p:ext>
     </p:extLst>
   </p:cSld>
@@ -4778,7 +4647,15 @@
           <a:p>
             <a:r>
               <a:rPr lang="en-US" dirty="0" smtClean="0"/>
-              <a:t>HTML &lt;table&gt; element</a:t>
+              <a:t>HTML &lt;</a:t>
+            </a:r>
+            <a:r>
+              <a:rPr lang="en-US" dirty="0" err="1" smtClean="0"/>
+              <a:t>img</a:t>
+            </a:r>
+            <a:r>
+              <a:rPr lang="en-US" dirty="0" smtClean="0"/>
+              <a:t>&gt; element</a:t>
             </a:r>
             <a:endParaRPr lang="en-US" dirty="0"/>
           </a:p>
@@ -4786,28 +4663,45 @@
       </p:sp>
       <p:pic>
         <p:nvPicPr>
-          <p:cNvPr id="4" name="Content Placeholder 3"/>
+          <p:cNvPr id="4" name="Picture 2" descr="http://www.ntu.edu.sg/home/ehchua/programming/webprogramming/images/HTTP.png"/>
           <p:cNvPicPr>
-            <a:picLocks noGrp="1" noChangeAspect="1"/>
+            <a:picLocks noGrp="1" noChangeAspect="1" noChangeArrowheads="1"/>
           </p:cNvPicPr>
           <p:nvPr>
             <p:ph idx="1"/>
           </p:nvPr>
         </p:nvPicPr>
         <p:blipFill>
-          <a:blip r:embed="rId2"/>
+          <a:blip r:embed="rId2">
+            <a:extLst>
+              <a:ext uri="{28A0092B-C50C-407E-A947-70E740481C1C}">
+                <a14:useLocalDpi xmlns:a14="http://schemas.microsoft.com/office/drawing/2010/main" val="0"/>
+              </a:ext>
+            </a:extLst>
+          </a:blip>
+          <a:srcRect/>
           <a:stretch>
             <a:fillRect/>
           </a:stretch>
         </p:blipFill>
-        <p:spPr>
-          <a:xfrm>
-            <a:off x="1097279" y="1895249"/>
-            <a:ext cx="1727563" cy="4437945"/>
+        <p:spPr bwMode="auto">
+          <a:xfrm>
+            <a:off x="263562" y="1780336"/>
+            <a:ext cx="5311600" cy="1821338"/>
           </a:xfrm>
           <a:prstGeom prst="rect">
             <a:avLst/>
           </a:prstGeom>
+          <a:noFill/>
+          <a:extLst>
+            <a:ext uri="{909E8E84-426E-40DD-AFC4-6F175D3DCCD1}">
+              <a14:hiddenFill xmlns:a14="http://schemas.microsoft.com/office/drawing/2010/main">
+                <a:solidFill>
+                  <a:srgbClr val="FFFFFF"/>
+                </a:solidFill>
+              </a14:hiddenFill>
+            </a:ext>
+          </a:extLst>
         </p:spPr>
       </p:pic>
       <p:pic>
@@ -4826,8 +4720,73 @@
         </p:blipFill>
         <p:spPr>
           <a:xfrm>
-            <a:off x="2948865" y="1895249"/>
-            <a:ext cx="4774549" cy="4288644"/>
+            <a:off x="5575162" y="2158121"/>
+            <a:ext cx="3498814" cy="880205"/>
+          </a:xfrm>
+          <a:prstGeom prst="rect">
+            <a:avLst/>
+          </a:prstGeom>
+        </p:spPr>
+      </p:pic>
+      <p:pic>
+        <p:nvPicPr>
+          <p:cNvPr id="6" name="Picture 2" descr="http://www.ntu.edu.sg/home/ehchua/programming/webprogramming/images/HTTP.png"/>
+          <p:cNvPicPr>
+            <a:picLocks noChangeAspect="1" noChangeArrowheads="1"/>
+          </p:cNvPicPr>
+          <p:nvPr/>
+        </p:nvPicPr>
+        <p:blipFill>
+          <a:blip r:embed="rId2">
+            <a:extLst>
+              <a:ext uri="{28A0092B-C50C-407E-A947-70E740481C1C}">
+                <a14:useLocalDpi xmlns:a14="http://schemas.microsoft.com/office/drawing/2010/main" val="0"/>
+              </a:ext>
+            </a:extLst>
+          </a:blip>
+          <a:srcRect/>
+          <a:stretch>
+            <a:fillRect/>
+          </a:stretch>
+        </p:blipFill>
+        <p:spPr bwMode="auto">
+          <a:xfrm>
+            <a:off x="263562" y="3790149"/>
+            <a:ext cx="5311600" cy="1821338"/>
+          </a:xfrm>
+          <a:prstGeom prst="rect">
+            <a:avLst/>
+          </a:prstGeom>
+          <a:noFill/>
+          <a:extLst>
+            <a:ext uri="{909E8E84-426E-40DD-AFC4-6F175D3DCCD1}">
+              <a14:hiddenFill xmlns:a14="http://schemas.microsoft.com/office/drawing/2010/main">
+                <a:solidFill>
+                  <a:srgbClr val="FFFFFF"/>
+                </a:solidFill>
+              </a14:hiddenFill>
+            </a:ext>
+          </a:extLst>
+        </p:spPr>
+      </p:pic>
+      <p:pic>
+        <p:nvPicPr>
+          <p:cNvPr id="7" name="Picture 6"/>
+          <p:cNvPicPr>
+            <a:picLocks noChangeAspect="1"/>
+          </p:cNvPicPr>
+          <p:nvPr/>
+        </p:nvPicPr>
+        <p:blipFill>
+          <a:blip r:embed="rId4"/>
+          <a:stretch>
+            <a:fillRect/>
+          </a:stretch>
+        </p:blipFill>
+        <p:spPr>
+          <a:xfrm>
+            <a:off x="5575162" y="4022434"/>
+            <a:ext cx="2233794" cy="1356767"/>
           </a:xfrm>
           <a:prstGeom prst="rect">
             <a:avLst/>
@@ -4837,13 +4796,20 @@
     </p:spTree>
     <p:extLst>
       <p:ext uri="{BB962C8B-B14F-4D97-AF65-F5344CB8AC3E}">
-        <p14:creationId xmlns:p14="http://schemas.microsoft.com/office/powerpoint/2010/main" val="905237492"/>
+        <p14:creationId xmlns:p14="http://schemas.microsoft.com/office/powerpoint/2010/main" val="353536520"/>
       </p:ext>
     </p:extLst>
   </p:cSld>
   <p:clrMapOvr>
     <a:masterClrMapping/>
   </p:clrMapOvr>
+  <p:timing>
+    <p:tnLst>
+      <p:par>
+        <p:cTn id="1" dur="indefinite" restart="never" nodeType="tmRoot"/>
+      </p:par>
+    </p:tnLst>
+  </p:timing>
 </p:sld>
 </file>
 
@@ -4881,7 +4847,7 @@
           <a:p>
             <a:r>
               <a:rPr lang="en-US" dirty="0" smtClean="0"/>
-              <a:t>HTML &lt;form&gt; element</a:t>
+              <a:t>HTML &lt;table&gt; element</a:t>
             </a:r>
             <a:endParaRPr lang="en-US" dirty="0"/>
           </a:p>
@@ -4905,8 +4871,32 @@
         </p:blipFill>
         <p:spPr>
           <a:xfrm>
-            <a:off x="3739243" y="1810293"/>
-            <a:ext cx="4408714" cy="4464403"/>
+            <a:off x="822960" y="1830440"/>
+            <a:ext cx="1727563" cy="4437945"/>
+          </a:xfrm>
+          <a:prstGeom prst="rect">
+            <a:avLst/>
+          </a:prstGeom>
+        </p:spPr>
+      </p:pic>
+      <p:pic>
+        <p:nvPicPr>
+          <p:cNvPr id="5" name="Picture 4"/>
+          <p:cNvPicPr>
+            <a:picLocks noChangeAspect="1"/>
+          </p:cNvPicPr>
+          <p:nvPr/>
+        </p:nvPicPr>
+        <p:blipFill>
+          <a:blip r:embed="rId3"/>
+          <a:stretch>
+            <a:fillRect/>
+          </a:stretch>
+        </p:blipFill>
+        <p:spPr>
+          <a:xfrm>
+            <a:off x="3570298" y="1895250"/>
+            <a:ext cx="4796462" cy="4308327"/>
           </a:xfrm>
           <a:prstGeom prst="rect">
             <a:avLst/>
@@ -4916,13 +4906,20 @@
     </p:spTree>
     <p:extLst>
       <p:ext uri="{BB962C8B-B14F-4D97-AF65-F5344CB8AC3E}">
-        <p14:creationId xmlns:p14="http://schemas.microsoft.com/office/powerpoint/2010/main" val="1539533603"/>
+        <p14:creationId xmlns:p14="http://schemas.microsoft.com/office/powerpoint/2010/main" val="905237492"/>
       </p:ext>
     </p:extLst>
   </p:cSld>
   <p:clrMapOvr>
     <a:masterClrMapping/>
   </p:clrMapOvr>
+  <p:timing>
+    <p:tnLst>
+      <p:par>
+        <p:cTn id="1" dur="indefinite" restart="never" nodeType="tmRoot"/>
+      </p:par>
+    </p:tnLst>
+  </p:timing>
 </p:sld>
 </file>
 
@@ -4984,15 +4981,14 @@
               </a:ext>
             </a:extLst>
           </a:blip>
-          <a:srcRect/>
           <a:stretch>
             <a:fillRect/>
           </a:stretch>
         </p:blipFill>
         <p:spPr bwMode="auto">
           <a:xfrm>
-            <a:off x="1096963" y="2985898"/>
-            <a:ext cx="10058400" cy="1743455"/>
+            <a:off x="78463" y="3074895"/>
+            <a:ext cx="8957961" cy="1552712"/>
           </a:xfrm>
           <a:prstGeom prst="rect">
             <a:avLst/>
@@ -5046,140 +5042,49 @@
           <a:chExt cx="0" cy="0"/>
         </a:xfrm>
       </p:grpSpPr>
+      <p:sp>
+        <p:nvSpPr>
+          <p:cNvPr id="2" name="Title 1"/>
+          <p:cNvSpPr>
+            <a:spLocks noGrp="1"/>
+          </p:cNvSpPr>
+          <p:nvPr>
+            <p:ph type="title"/>
+          </p:nvPr>
+        </p:nvSpPr>
+        <p:spPr/>
+        <p:txBody>
+          <a:bodyPr/>
+          <a:lstStyle/>
+          <a:p>
+            <a:r>
+              <a:rPr lang="en-US" dirty="0" smtClean="0"/>
+              <a:t>HTML &lt;form&gt; element</a:t>
+            </a:r>
+            <a:endParaRPr lang="en-US" dirty="0"/>
+          </a:p>
+        </p:txBody>
+      </p:sp>
       <p:pic>
         <p:nvPicPr>
-          <p:cNvPr id="2" name="Picture 1"/>
+          <p:cNvPr id="4" name="Content Placeholder 3"/>
           <p:cNvPicPr>
-            <a:picLocks noChangeAspect="1"/>
+            <a:picLocks noGrp="1" noChangeAspect="1"/>
           </p:cNvPicPr>
-          <p:nvPr/>
+          <p:nvPr>
+            <p:ph idx="1"/>
+          </p:nvPr>
         </p:nvPicPr>
         <p:blipFill>
-          <a:blip r:embed="rId2">
-            <a:extLst>
-              <a:ext uri="{28A0092B-C50C-407E-A947-70E740481C1C}">
-                <a14:useLocalDpi xmlns:a14="http://schemas.microsoft.com/office/drawing/2010/main" val="0"/>
-              </a:ext>
-            </a:extLst>
-          </a:blip>
+          <a:blip r:embed="rId2"/>
           <a:stretch>
             <a:fillRect/>
           </a:stretch>
         </p:blipFill>
         <p:spPr>
           <a:xfrm>
-            <a:off x="1518646" y="0"/>
-            <a:ext cx="9154707" cy="6858000"/>
-          </a:xfrm>
-          <a:prstGeom prst="rect">
-            <a:avLst/>
-          </a:prstGeom>
-        </p:spPr>
-      </p:pic>
-      <p:sp>
-        <p:nvSpPr>
-          <p:cNvPr id="3" name="TextBox 2"/>
-          <p:cNvSpPr txBox="1"/>
-          <p:nvPr/>
-        </p:nvSpPr>
-        <p:spPr>
-          <a:xfrm>
-            <a:off x="1926771" y="6008914"/>
-            <a:ext cx="8518166" cy="584775"/>
-          </a:xfrm>
-          <a:prstGeom prst="rect">
-            <a:avLst/>
-          </a:prstGeom>
-        </p:spPr>
-        <p:style>
-          <a:lnRef idx="1">
-            <a:schemeClr val="accent1"/>
-          </a:lnRef>
-          <a:fillRef idx="3">
-            <a:schemeClr val="accent1"/>
-          </a:fillRef>
-          <a:effectRef idx="2">
-            <a:schemeClr val="accent1"/>
-          </a:effectRef>
-          <a:fontRef idx="minor">
-            <a:schemeClr val="lt1"/>
-          </a:fontRef>
-        </p:style>
-        <p:txBody>
-          <a:bodyPr wrap="none" rtlCol="0">
-            <a:spAutoFit/>
-          </a:bodyPr>
-          <a:lstStyle/>
-          <a:p>
-            <a:r>
-              <a:rPr lang="en-US" sz="3200" b="1" dirty="0" smtClean="0"/>
-              <a:t>Yes!  You *CAN* use &lt;table&gt; elements for layout!</a:t>
-            </a:r>
-            <a:endParaRPr lang="en-US" sz="3200" b="1" dirty="0"/>
-          </a:p>
-        </p:txBody>
-      </p:sp>
-    </p:spTree>
-    <p:extLst>
-      <p:ext uri="{BB962C8B-B14F-4D97-AF65-F5344CB8AC3E}">
-        <p14:creationId xmlns:p14="http://schemas.microsoft.com/office/powerpoint/2010/main" val="149409950"/>
-      </p:ext>
-    </p:extLst>
-  </p:cSld>
-  <p:clrMapOvr>
-    <a:masterClrMapping/>
-  </p:clrMapOvr>
-  <p:timing>
-    <p:tnLst>
-      <p:par>
-        <p:cTn id="1" dur="indefinite" restart="never" nodeType="tmRoot"/>
-      </p:par>
-    </p:tnLst>
-  </p:timing>
-</p:sld>
-</file>
-
-<file path=ppt/slides/slide21.xml><?xml version="1.0" encoding="utf-8"?>
-<p:sld xmlns:a="http://schemas.openxmlformats.org/drawingml/2006/main" xmlns:r="http://schemas.openxmlformats.org/officeDocument/2006/relationships" xmlns:p="http://schemas.openxmlformats.org/presentationml/2006/main">
-  <p:cSld>
-    <p:spTree>
-      <p:nvGrpSpPr>
-        <p:cNvPr id="1" name=""/>
-        <p:cNvGrpSpPr/>
-        <p:nvPr/>
-      </p:nvGrpSpPr>
-      <p:grpSpPr>
-        <a:xfrm>
-          <a:off x="0" y="0"/>
-          <a:ext cx="0" cy="0"/>
-          <a:chOff x="0" y="0"/>
-          <a:chExt cx="0" cy="0"/>
-        </a:xfrm>
-      </p:grpSpPr>
-      <p:pic>
-        <p:nvPicPr>
-          <p:cNvPr id="3" name="Picture 2"/>
-          <p:cNvPicPr>
-            <a:picLocks noChangeAspect="1"/>
-          </p:cNvPicPr>
-          <p:nvPr/>
-        </p:nvPicPr>
-        <p:blipFill>
-          <a:blip r:embed="rId2">
-            <a:extLst>
-              <a:ext uri="{28A0092B-C50C-407E-A947-70E740481C1C}">
-                <a14:useLocalDpi xmlns:a14="http://schemas.microsoft.com/office/drawing/2010/main" val="0"/>
-              </a:ext>
-            </a:extLst>
-          </a:blip>
-          <a:stretch>
-            <a:fillRect/>
-          </a:stretch>
-        </p:blipFill>
-        <p:spPr>
-          <a:xfrm>
-            <a:off x="900545" y="0"/>
-            <a:ext cx="10407921" cy="6869228"/>
+            <a:off x="2215243" y="1810294"/>
+            <a:ext cx="4408714" cy="4464403"/>
           </a:xfrm>
           <a:prstGeom prst="rect">
             <a:avLst/>
@@ -5189,7 +5094,7 @@
     </p:spTree>
     <p:extLst>
       <p:ext uri="{BB962C8B-B14F-4D97-AF65-F5344CB8AC3E}">
-        <p14:creationId xmlns:p14="http://schemas.microsoft.com/office/powerpoint/2010/main" val="1316770286"/>
+        <p14:creationId xmlns:p14="http://schemas.microsoft.com/office/powerpoint/2010/main" val="1539533603"/>
       </p:ext>
     </p:extLst>
   </p:cSld>
@@ -5264,15 +5169,14 @@
               </a:ext>
             </a:extLst>
           </a:blip>
-          <a:srcRect/>
           <a:stretch>
             <a:fillRect/>
           </a:stretch>
         </p:blipFill>
         <p:spPr bwMode="auto">
           <a:xfrm>
-            <a:off x="1097280" y="2133229"/>
-            <a:ext cx="10058400" cy="3449007"/>
+            <a:off x="822959" y="2576761"/>
+            <a:ext cx="7543801" cy="2586756"/>
           </a:xfrm>
           <a:prstGeom prst="rect">
             <a:avLst/>
@@ -5367,8 +5271,8 @@
         </p:blipFill>
         <p:spPr>
           <a:xfrm>
-            <a:off x="1097280" y="1993220"/>
-            <a:ext cx="5241175" cy="4022725"/>
+            <a:off x="239153" y="1993222"/>
+            <a:ext cx="4575302" cy="3511652"/>
           </a:xfrm>
           <a:prstGeom prst="rect">
             <a:avLst/>
@@ -5391,8 +5295,8 @@
         </p:blipFill>
         <p:spPr>
           <a:xfrm>
-            <a:off x="6338455" y="1993220"/>
-            <a:ext cx="5650971" cy="4022725"/>
+            <a:off x="4814456" y="1993222"/>
+            <a:ext cx="4089667" cy="2911288"/>
           </a:xfrm>
           <a:prstGeom prst="rect">
             <a:avLst/>
@@ -5477,8 +5381,8 @@
         </p:blipFill>
         <p:spPr>
           <a:xfrm>
-            <a:off x="2149500" y="1846263"/>
-            <a:ext cx="7953325" cy="4022725"/>
+            <a:off x="822325" y="1949830"/>
+            <a:ext cx="7543800" cy="3815590"/>
           </a:xfrm>
           <a:prstGeom prst="rect">
             <a:avLst/>
@@ -5563,15 +5467,14 @@
               </a:ext>
             </a:extLst>
           </a:blip>
-          <a:srcRect/>
           <a:stretch>
             <a:fillRect/>
           </a:stretch>
         </p:blipFill>
         <p:spPr bwMode="auto">
           <a:xfrm>
-            <a:off x="1003027" y="2334986"/>
-            <a:ext cx="10383615" cy="3086099"/>
+            <a:off x="822960" y="2736773"/>
+            <a:ext cx="7543800" cy="2242082"/>
           </a:xfrm>
           <a:prstGeom prst="rect">
             <a:avLst/>
@@ -5666,15 +5569,14 @@
               </a:ext>
             </a:extLst>
           </a:blip>
-          <a:srcRect/>
           <a:stretch>
             <a:fillRect/>
           </a:stretch>
         </p:blipFill>
         <p:spPr bwMode="auto">
           <a:xfrm>
-            <a:off x="2416630" y="1943100"/>
-            <a:ext cx="7560127" cy="4294414"/>
+            <a:off x="2054542" y="2105244"/>
+            <a:ext cx="5079365" cy="3504762"/>
           </a:xfrm>
           <a:prstGeom prst="rect">
             <a:avLst/>
@@ -5769,15 +5671,14 @@
               </a:ext>
             </a:extLst>
           </a:blip>
-          <a:srcRect/>
           <a:stretch>
             <a:fillRect/>
           </a:stretch>
         </p:blipFill>
         <p:spPr bwMode="auto">
           <a:xfrm>
-            <a:off x="2423526" y="1951945"/>
-            <a:ext cx="7405908" cy="4171269"/>
+            <a:off x="1355725" y="2033588"/>
+            <a:ext cx="6477000" cy="3648075"/>
           </a:xfrm>
           <a:prstGeom prst="rect">
             <a:avLst/>
@@ -5872,15 +5773,14 @@
               </a:ext>
             </a:extLst>
           </a:blip>
-          <a:srcRect/>
           <a:stretch>
             <a:fillRect/>
           </a:stretch>
         </p:blipFill>
         <p:spPr bwMode="auto">
           <a:xfrm>
-            <a:off x="2383041" y="1951945"/>
-            <a:ext cx="7486877" cy="4216873"/>
+            <a:off x="1355725" y="2033588"/>
+            <a:ext cx="6477000" cy="3648075"/>
           </a:xfrm>
           <a:prstGeom prst="rect">
             <a:avLst/>
